--- a/git/sessions/Day3-Session1-gitBasicToAdvanced.pptx
+++ b/git/sessions/Day3-Session1-gitBasicToAdvanced.pptx
@@ -5,7 +5,7 @@
     <p:sldMasterId id="2147483648" r:id="rId1"/>
   </p:sldMasterIdLst>
   <p:notesMasterIdLst>
-    <p:notesMasterId r:id="rId19"/>
+    <p:notesMasterId r:id="rId22"/>
   </p:notesMasterIdLst>
   <p:sldIdLst>
     <p:sldId id="256" r:id="rId2"/>
@@ -14,17 +14,20 @@
     <p:sldId id="257" r:id="rId5"/>
     <p:sldId id="317" r:id="rId6"/>
     <p:sldId id="318" r:id="rId7"/>
-    <p:sldId id="319" r:id="rId8"/>
-    <p:sldId id="347" r:id="rId9"/>
-    <p:sldId id="348" r:id="rId10"/>
-    <p:sldId id="333" r:id="rId11"/>
-    <p:sldId id="334" r:id="rId12"/>
-    <p:sldId id="335" r:id="rId13"/>
-    <p:sldId id="336" r:id="rId14"/>
-    <p:sldId id="337" r:id="rId15"/>
-    <p:sldId id="338" r:id="rId16"/>
-    <p:sldId id="331" r:id="rId17"/>
-    <p:sldId id="316" r:id="rId18"/>
+    <p:sldId id="349" r:id="rId8"/>
+    <p:sldId id="319" r:id="rId9"/>
+    <p:sldId id="347" r:id="rId10"/>
+    <p:sldId id="348" r:id="rId11"/>
+    <p:sldId id="333" r:id="rId12"/>
+    <p:sldId id="334" r:id="rId13"/>
+    <p:sldId id="335" r:id="rId14"/>
+    <p:sldId id="336" r:id="rId15"/>
+    <p:sldId id="337" r:id="rId16"/>
+    <p:sldId id="338" r:id="rId17"/>
+    <p:sldId id="350" r:id="rId18"/>
+    <p:sldId id="351" r:id="rId19"/>
+    <p:sldId id="352" r:id="rId20"/>
+    <p:sldId id="316" r:id="rId21"/>
   </p:sldIdLst>
   <p:sldSz cx="9144000" cy="5143500" type="screen16x9"/>
   <p:notesSz cx="9144000" cy="5143500"/>
@@ -1735,7 +1738,7 @@
     </p:spTree>
     <p:extLst>
       <p:ext uri="{BB962C8B-B14F-4D97-AF65-F5344CB8AC3E}">
-        <p14:creationId xmlns:p14="http://schemas.microsoft.com/office/powerpoint/2010/main" val="1693902753"/>
+        <p14:creationId xmlns:p14="http://schemas.microsoft.com/office/powerpoint/2010/main" val="1998786978"/>
       </p:ext>
     </p:extLst>
   </p:cSld>
@@ -1904,7 +1907,7 @@
     </p:spTree>
     <p:extLst>
       <p:ext uri="{BB962C8B-B14F-4D97-AF65-F5344CB8AC3E}">
-        <p14:creationId xmlns:p14="http://schemas.microsoft.com/office/powerpoint/2010/main" val="1177888768"/>
+        <p14:creationId xmlns:p14="http://schemas.microsoft.com/office/powerpoint/2010/main" val="1693902753"/>
       </p:ext>
     </p:extLst>
   </p:cSld>
@@ -2073,7 +2076,7 @@
     </p:spTree>
     <p:extLst>
       <p:ext uri="{BB962C8B-B14F-4D97-AF65-F5344CB8AC3E}">
-        <p14:creationId xmlns:p14="http://schemas.microsoft.com/office/powerpoint/2010/main" val="2437120178"/>
+        <p14:creationId xmlns:p14="http://schemas.microsoft.com/office/powerpoint/2010/main" val="1177888768"/>
       </p:ext>
     </p:extLst>
   </p:cSld>
@@ -2242,7 +2245,7 @@
     </p:spTree>
     <p:extLst>
       <p:ext uri="{BB962C8B-B14F-4D97-AF65-F5344CB8AC3E}">
-        <p14:creationId xmlns:p14="http://schemas.microsoft.com/office/powerpoint/2010/main" val="3392004"/>
+        <p14:creationId xmlns:p14="http://schemas.microsoft.com/office/powerpoint/2010/main" val="2437120178"/>
       </p:ext>
     </p:extLst>
   </p:cSld>
@@ -2411,7 +2414,7 @@
     </p:spTree>
     <p:extLst>
       <p:ext uri="{BB962C8B-B14F-4D97-AF65-F5344CB8AC3E}">
-        <p14:creationId xmlns:p14="http://schemas.microsoft.com/office/powerpoint/2010/main" val="3768825234"/>
+        <p14:creationId xmlns:p14="http://schemas.microsoft.com/office/powerpoint/2010/main" val="3392004"/>
       </p:ext>
     </p:extLst>
   </p:cSld>
@@ -2422,365 +2425,6 @@
 </file>
 
 <file path=ppt/notesSlides/notesSlide15.xml><?xml version="1.0" encoding="utf-8"?>
-<p:notes xmlns:a="http://schemas.openxmlformats.org/drawingml/2006/main" xmlns:r="http://schemas.openxmlformats.org/officeDocument/2006/relationships" xmlns:p="http://schemas.openxmlformats.org/presentationml/2006/main">
-  <p:cSld>
-    <p:spTree>
-      <p:nvGrpSpPr>
-        <p:cNvPr id="1" name=""/>
-        <p:cNvGrpSpPr/>
-        <p:nvPr/>
-      </p:nvGrpSpPr>
-      <p:grpSpPr>
-        <a:xfrm>
-          <a:off x="0" y="0"/>
-          <a:ext cx="0" cy="0"/>
-          <a:chOff x="0" y="0"/>
-          <a:chExt cx="0" cy="0"/>
-        </a:xfrm>
-      </p:grpSpPr>
-      <p:sp>
-        <p:nvSpPr>
-          <p:cNvPr id="2" name="Slide Image Placeholder 1"/>
-          <p:cNvSpPr>
-            <a:spLocks noGrp="1" noRot="1" noChangeAspect="1"/>
-          </p:cNvSpPr>
-          <p:nvPr>
-            <p:ph type="sldImg"/>
-          </p:nvPr>
-        </p:nvSpPr>
-        <p:spPr/>
-      </p:sp>
-      <p:sp>
-        <p:nvSpPr>
-          <p:cNvPr id="3" name="Notes Placeholder 2"/>
-          <p:cNvSpPr>
-            <a:spLocks noGrp="1"/>
-          </p:cNvSpPr>
-          <p:nvPr>
-            <p:ph type="body" idx="1"/>
-          </p:nvPr>
-        </p:nvSpPr>
-        <p:spPr/>
-        <p:txBody>
-          <a:bodyPr/>
-          <a:lstStyle/>
-          <a:p>
-            <a:endParaRPr lang="en-US" dirty="0"/>
-          </a:p>
-        </p:txBody>
-      </p:sp>
-      <p:sp>
-        <p:nvSpPr>
-          <p:cNvPr id="4" name="Slide Number Placeholder 3"/>
-          <p:cNvSpPr>
-            <a:spLocks noGrp="1"/>
-          </p:cNvSpPr>
-          <p:nvPr>
-            <p:ph type="sldNum" sz="quarter" idx="5"/>
-          </p:nvPr>
-        </p:nvSpPr>
-        <p:spPr/>
-        <p:txBody>
-          <a:bodyPr/>
-          <a:lstStyle/>
-          <a:p>
-            <a:fld id="{6DEB7EE2-04A2-4FB2-9625-C9C73AC4D32F}" type="slidenum">
-              <a:rPr lang="en-US" altLang="en-US" smtClean="0"/>
-              <a:pPr/>
-              <a:t>15</a:t>
-            </a:fld>
-            <a:endParaRPr lang="en-US" altLang="en-US" dirty="0"/>
-          </a:p>
-        </p:txBody>
-      </p:sp>
-    </p:spTree>
-    <p:extLst>
-      <p:ext uri="{BB962C8B-B14F-4D97-AF65-F5344CB8AC3E}">
-        <p14:creationId xmlns:p14="http://schemas.microsoft.com/office/powerpoint/2010/main" val="69554882"/>
-      </p:ext>
-    </p:extLst>
-  </p:cSld>
-  <p:clrMapOvr>
-    <a:masterClrMapping/>
-  </p:clrMapOvr>
-</p:notes>
-</file>
-
-<file path=ppt/notesSlides/notesSlide16.xml><?xml version="1.0" encoding="utf-8"?>
-<p:notes xmlns:a="http://schemas.openxmlformats.org/drawingml/2006/main" xmlns:r="http://schemas.openxmlformats.org/officeDocument/2006/relationships" xmlns:p="http://schemas.openxmlformats.org/presentationml/2006/main">
-  <p:cSld>
-    <p:spTree>
-      <p:nvGrpSpPr>
-        <p:cNvPr id="1" name=""/>
-        <p:cNvGrpSpPr/>
-        <p:nvPr/>
-      </p:nvGrpSpPr>
-      <p:grpSpPr>
-        <a:xfrm>
-          <a:off x="0" y="0"/>
-          <a:ext cx="0" cy="0"/>
-          <a:chOff x="0" y="0"/>
-          <a:chExt cx="0" cy="0"/>
-        </a:xfrm>
-      </p:grpSpPr>
-      <p:sp>
-        <p:nvSpPr>
-          <p:cNvPr id="2" name="Slide Image Placeholder 1"/>
-          <p:cNvSpPr>
-            <a:spLocks noGrp="1" noRot="1" noChangeAspect="1"/>
-          </p:cNvSpPr>
-          <p:nvPr>
-            <p:ph type="sldImg"/>
-          </p:nvPr>
-        </p:nvSpPr>
-        <p:spPr/>
-      </p:sp>
-      <p:sp>
-        <p:nvSpPr>
-          <p:cNvPr id="3" name="Notes Placeholder 2"/>
-          <p:cNvSpPr>
-            <a:spLocks noGrp="1"/>
-          </p:cNvSpPr>
-          <p:nvPr>
-            <p:ph type="body" idx="1"/>
-          </p:nvPr>
-        </p:nvSpPr>
-        <p:spPr/>
-        <p:txBody>
-          <a:bodyPr/>
-          <a:lstStyle/>
-          <a:p>
-            <a:endParaRPr lang="en-US" dirty="0"/>
-          </a:p>
-        </p:txBody>
-      </p:sp>
-      <p:sp>
-        <p:nvSpPr>
-          <p:cNvPr id="4" name="Slide Number Placeholder 3"/>
-          <p:cNvSpPr>
-            <a:spLocks noGrp="1"/>
-          </p:cNvSpPr>
-          <p:nvPr>
-            <p:ph type="sldNum" sz="quarter" idx="5"/>
-          </p:nvPr>
-        </p:nvSpPr>
-        <p:spPr/>
-        <p:txBody>
-          <a:bodyPr/>
-          <a:lstStyle/>
-          <a:p>
-            <a:fld id="{6DEB7EE2-04A2-4FB2-9625-C9C73AC4D32F}" type="slidenum">
-              <a:rPr lang="en-US" altLang="en-US" smtClean="0"/>
-              <a:pPr/>
-              <a:t>16</a:t>
-            </a:fld>
-            <a:endParaRPr lang="en-US" altLang="en-US" dirty="0"/>
-          </a:p>
-        </p:txBody>
-      </p:sp>
-    </p:spTree>
-    <p:extLst>
-      <p:ext uri="{BB962C8B-B14F-4D97-AF65-F5344CB8AC3E}">
-        <p14:creationId xmlns:p14="http://schemas.microsoft.com/office/powerpoint/2010/main" val="3105138579"/>
-      </p:ext>
-    </p:extLst>
-  </p:cSld>
-  <p:clrMapOvr>
-    <a:masterClrMapping/>
-  </p:clrMapOvr>
-</p:notes>
-</file>
-
-<file path=ppt/notesSlides/notesSlide17.xml><?xml version="1.0" encoding="utf-8"?>
-<p:notes xmlns:a="http://schemas.openxmlformats.org/drawingml/2006/main" xmlns:r="http://schemas.openxmlformats.org/officeDocument/2006/relationships" xmlns:p="http://schemas.openxmlformats.org/presentationml/2006/main" showMasterSp="0" showMasterPhAnim="0">
-  <p:cSld>
-    <p:spTree>
-      <p:nvGrpSpPr>
-        <p:cNvPr id="1" name="Shape 939"/>
-        <p:cNvGrpSpPr/>
-        <p:nvPr/>
-      </p:nvGrpSpPr>
-      <p:grpSpPr>
-        <a:xfrm>
-          <a:off x="0" y="0"/>
-          <a:ext cx="0" cy="0"/>
-          <a:chOff x="0" y="0"/>
-          <a:chExt cx="0" cy="0"/>
-        </a:xfrm>
-      </p:grpSpPr>
-      <p:sp>
-        <p:nvSpPr>
-          <p:cNvPr id="940" name="Google Shape;940;p61:notes"/>
-          <p:cNvSpPr txBox="1">
-            <a:spLocks noGrp="1"/>
-          </p:cNvSpPr>
-          <p:nvPr>
-            <p:ph type="body" idx="1"/>
-          </p:nvPr>
-        </p:nvSpPr>
-        <p:spPr>
-          <a:xfrm>
-            <a:off x="914400" y="2474913"/>
-            <a:ext cx="7315200" cy="2025650"/>
-          </a:xfrm>
-          <a:prstGeom prst="rect">
-            <a:avLst/>
-          </a:prstGeom>
-        </p:spPr>
-        <p:txBody>
-          <a:bodyPr spcFirstLastPara="1" wrap="square" lIns="91425" tIns="45700" rIns="91425" bIns="45700" anchor="t" anchorCtr="0">
-            <a:noAutofit/>
-          </a:bodyPr>
-          <a:lstStyle/>
-          <a:p>
-            <a:pPr marL="0" lvl="0" indent="0" algn="l" rtl="0">
-              <a:spcBef>
-                <a:spcPts val="0"/>
-              </a:spcBef>
-              <a:spcAft>
-                <a:spcPts val="0"/>
-              </a:spcAft>
-              <a:buNone/>
-            </a:pPr>
-            <a:endParaRPr/>
-          </a:p>
-        </p:txBody>
-      </p:sp>
-      <p:sp>
-        <p:nvSpPr>
-          <p:cNvPr id="941" name="Google Shape;941;p61:notes"/>
-          <p:cNvSpPr>
-            <a:spLocks noGrp="1" noRot="1" noChangeAspect="1"/>
-          </p:cNvSpPr>
-          <p:nvPr>
-            <p:ph type="sldImg" idx="2"/>
-          </p:nvPr>
-        </p:nvSpPr>
-        <p:spPr>
-          <a:xfrm>
-            <a:off x="3028950" y="642938"/>
-            <a:ext cx="3086100" cy="1736725"/>
-          </a:xfrm>
-          <a:custGeom>
-            <a:avLst/>
-            <a:gdLst/>
-            <a:ahLst/>
-            <a:cxnLst/>
-            <a:rect l="l" t="t" r="r" b="b"/>
-            <a:pathLst>
-              <a:path w="120000" h="120000" extrusionOk="0">
-                <a:moveTo>
-                  <a:pt x="0" y="0"/>
-                </a:moveTo>
-                <a:lnTo>
-                  <a:pt x="120000" y="0"/>
-                </a:lnTo>
-                <a:lnTo>
-                  <a:pt x="120000" y="120000"/>
-                </a:lnTo>
-                <a:lnTo>
-                  <a:pt x="0" y="120000"/>
-                </a:lnTo>
-                <a:close/>
-              </a:path>
-            </a:pathLst>
-          </a:custGeom>
-        </p:spPr>
-      </p:sp>
-    </p:spTree>
-  </p:cSld>
-  <p:clrMapOvr>
-    <a:masterClrMapping/>
-  </p:clrMapOvr>
-</p:notes>
-</file>
-
-<file path=ppt/notesSlides/notesSlide2.xml><?xml version="1.0" encoding="utf-8"?>
-<p:notes xmlns:a="http://schemas.openxmlformats.org/drawingml/2006/main" xmlns:r="http://schemas.openxmlformats.org/officeDocument/2006/relationships" xmlns:p="http://schemas.openxmlformats.org/presentationml/2006/main">
-  <p:cSld>
-    <p:spTree>
-      <p:nvGrpSpPr>
-        <p:cNvPr id="1" name=""/>
-        <p:cNvGrpSpPr/>
-        <p:nvPr/>
-      </p:nvGrpSpPr>
-      <p:grpSpPr>
-        <a:xfrm>
-          <a:off x="0" y="0"/>
-          <a:ext cx="0" cy="0"/>
-          <a:chOff x="0" y="0"/>
-          <a:chExt cx="0" cy="0"/>
-        </a:xfrm>
-      </p:grpSpPr>
-      <p:sp>
-        <p:nvSpPr>
-          <p:cNvPr id="2" name="Slide Image Placeholder 1"/>
-          <p:cNvSpPr>
-            <a:spLocks noGrp="1" noRot="1" noChangeAspect="1"/>
-          </p:cNvSpPr>
-          <p:nvPr>
-            <p:ph type="sldImg"/>
-          </p:nvPr>
-        </p:nvSpPr>
-        <p:spPr/>
-      </p:sp>
-      <p:sp>
-        <p:nvSpPr>
-          <p:cNvPr id="3" name="Notes Placeholder 2"/>
-          <p:cNvSpPr>
-            <a:spLocks noGrp="1"/>
-          </p:cNvSpPr>
-          <p:nvPr>
-            <p:ph type="body" idx="1"/>
-          </p:nvPr>
-        </p:nvSpPr>
-        <p:spPr/>
-        <p:txBody>
-          <a:bodyPr/>
-          <a:lstStyle/>
-          <a:p>
-            <a:endParaRPr lang="en-US" dirty="0"/>
-          </a:p>
-        </p:txBody>
-      </p:sp>
-      <p:sp>
-        <p:nvSpPr>
-          <p:cNvPr id="4" name="Slide Number Placeholder 3"/>
-          <p:cNvSpPr>
-            <a:spLocks noGrp="1"/>
-          </p:cNvSpPr>
-          <p:nvPr>
-            <p:ph type="sldNum" sz="quarter" idx="5"/>
-          </p:nvPr>
-        </p:nvSpPr>
-        <p:spPr/>
-        <p:txBody>
-          <a:bodyPr/>
-          <a:lstStyle/>
-          <a:p>
-            <a:fld id="{6DEB7EE2-04A2-4FB2-9625-C9C73AC4D32F}" type="slidenum">
-              <a:rPr lang="en-US" altLang="en-US" smtClean="0"/>
-              <a:pPr/>
-              <a:t>2</a:t>
-            </a:fld>
-            <a:endParaRPr lang="en-US" altLang="en-US" dirty="0"/>
-          </a:p>
-        </p:txBody>
-      </p:sp>
-    </p:spTree>
-    <p:extLst>
-      <p:ext uri="{BB962C8B-B14F-4D97-AF65-F5344CB8AC3E}">
-        <p14:creationId xmlns:p14="http://schemas.microsoft.com/office/powerpoint/2010/main" val="974077188"/>
-      </p:ext>
-    </p:extLst>
-  </p:cSld>
-  <p:clrMapOvr>
-    <a:masterClrMapping/>
-  </p:clrMapOvr>
-</p:notes>
-</file>
-
-<file path=ppt/notesSlides/notesSlide3.xml><?xml version="1.0" encoding="utf-8"?>
 <p:notes xmlns:a="http://schemas.openxmlformats.org/drawingml/2006/main" xmlns:r="http://schemas.openxmlformats.org/officeDocument/2006/relationships" xmlns:p="http://schemas.openxmlformats.org/presentationml/2006/main" showMasterSp="0" showMasterPhAnim="0">
   <p:cSld>
     <p:spTree>
@@ -2930,7 +2574,7 @@
             </a:pPr>
             <a:fld id="{00000000-1234-1234-1234-123412341234}" type="slidenum">
               <a:rPr lang="en-US"/>
-              <a:t>3</a:t>
+              <a:t>15</a:t>
             </a:fld>
             <a:endParaRPr/>
           </a:p>
@@ -2939,7 +2583,7 @@
     </p:spTree>
     <p:extLst>
       <p:ext uri="{BB962C8B-B14F-4D97-AF65-F5344CB8AC3E}">
-        <p14:creationId xmlns:p14="http://schemas.microsoft.com/office/powerpoint/2010/main" val="1537830314"/>
+        <p14:creationId xmlns:p14="http://schemas.microsoft.com/office/powerpoint/2010/main" val="3768825234"/>
       </p:ext>
     </p:extLst>
   </p:cSld>
@@ -2949,7 +2593,536 @@
 </p:notes>
 </file>
 
-<file path=ppt/notesSlides/notesSlide4.xml><?xml version="1.0" encoding="utf-8"?>
+<file path=ppt/notesSlides/notesSlide16.xml><?xml version="1.0" encoding="utf-8"?>
+<p:notes xmlns:a="http://schemas.openxmlformats.org/drawingml/2006/main" xmlns:r="http://schemas.openxmlformats.org/officeDocument/2006/relationships" xmlns:p="http://schemas.openxmlformats.org/presentationml/2006/main">
+  <p:cSld>
+    <p:spTree>
+      <p:nvGrpSpPr>
+        <p:cNvPr id="1" name=""/>
+        <p:cNvGrpSpPr/>
+        <p:nvPr/>
+      </p:nvGrpSpPr>
+      <p:grpSpPr>
+        <a:xfrm>
+          <a:off x="0" y="0"/>
+          <a:ext cx="0" cy="0"/>
+          <a:chOff x="0" y="0"/>
+          <a:chExt cx="0" cy="0"/>
+        </a:xfrm>
+      </p:grpSpPr>
+      <p:sp>
+        <p:nvSpPr>
+          <p:cNvPr id="2" name="Slide Image Placeholder 1"/>
+          <p:cNvSpPr>
+            <a:spLocks noGrp="1" noRot="1" noChangeAspect="1"/>
+          </p:cNvSpPr>
+          <p:nvPr>
+            <p:ph type="sldImg"/>
+          </p:nvPr>
+        </p:nvSpPr>
+        <p:spPr/>
+      </p:sp>
+      <p:sp>
+        <p:nvSpPr>
+          <p:cNvPr id="3" name="Notes Placeholder 2"/>
+          <p:cNvSpPr>
+            <a:spLocks noGrp="1"/>
+          </p:cNvSpPr>
+          <p:nvPr>
+            <p:ph type="body" idx="1"/>
+          </p:nvPr>
+        </p:nvSpPr>
+        <p:spPr/>
+        <p:txBody>
+          <a:bodyPr/>
+          <a:lstStyle/>
+          <a:p>
+            <a:endParaRPr lang="en-US" dirty="0"/>
+          </a:p>
+        </p:txBody>
+      </p:sp>
+      <p:sp>
+        <p:nvSpPr>
+          <p:cNvPr id="4" name="Slide Number Placeholder 3"/>
+          <p:cNvSpPr>
+            <a:spLocks noGrp="1"/>
+          </p:cNvSpPr>
+          <p:nvPr>
+            <p:ph type="sldNum" sz="quarter" idx="5"/>
+          </p:nvPr>
+        </p:nvSpPr>
+        <p:spPr/>
+        <p:txBody>
+          <a:bodyPr/>
+          <a:lstStyle/>
+          <a:p>
+            <a:fld id="{6DEB7EE2-04A2-4FB2-9625-C9C73AC4D32F}" type="slidenum">
+              <a:rPr lang="en-US" altLang="en-US" smtClean="0"/>
+              <a:pPr/>
+              <a:t>16</a:t>
+            </a:fld>
+            <a:endParaRPr lang="en-US" altLang="en-US" dirty="0"/>
+          </a:p>
+        </p:txBody>
+      </p:sp>
+    </p:spTree>
+    <p:extLst>
+      <p:ext uri="{BB962C8B-B14F-4D97-AF65-F5344CB8AC3E}">
+        <p14:creationId xmlns:p14="http://schemas.microsoft.com/office/powerpoint/2010/main" val="69554882"/>
+      </p:ext>
+    </p:extLst>
+  </p:cSld>
+  <p:clrMapOvr>
+    <a:masterClrMapping/>
+  </p:clrMapOvr>
+</p:notes>
+</file>
+
+<file path=ppt/notesSlides/notesSlide17.xml><?xml version="1.0" encoding="utf-8"?>
+<p:notes xmlns:a="http://schemas.openxmlformats.org/drawingml/2006/main" xmlns:r="http://schemas.openxmlformats.org/officeDocument/2006/relationships" xmlns:p="http://schemas.openxmlformats.org/presentationml/2006/main">
+  <p:cSld>
+    <p:spTree>
+      <p:nvGrpSpPr>
+        <p:cNvPr id="1" name=""/>
+        <p:cNvGrpSpPr/>
+        <p:nvPr/>
+      </p:nvGrpSpPr>
+      <p:grpSpPr>
+        <a:xfrm>
+          <a:off x="0" y="0"/>
+          <a:ext cx="0" cy="0"/>
+          <a:chOff x="0" y="0"/>
+          <a:chExt cx="0" cy="0"/>
+        </a:xfrm>
+      </p:grpSpPr>
+      <p:sp>
+        <p:nvSpPr>
+          <p:cNvPr id="2" name="Slide Image Placeholder 1"/>
+          <p:cNvSpPr>
+            <a:spLocks noGrp="1" noRot="1" noChangeAspect="1"/>
+          </p:cNvSpPr>
+          <p:nvPr>
+            <p:ph type="sldImg"/>
+          </p:nvPr>
+        </p:nvSpPr>
+        <p:spPr/>
+      </p:sp>
+      <p:sp>
+        <p:nvSpPr>
+          <p:cNvPr id="3" name="Notes Placeholder 2"/>
+          <p:cNvSpPr>
+            <a:spLocks noGrp="1"/>
+          </p:cNvSpPr>
+          <p:nvPr>
+            <p:ph type="body" idx="1"/>
+          </p:nvPr>
+        </p:nvSpPr>
+        <p:spPr/>
+        <p:txBody>
+          <a:bodyPr/>
+          <a:lstStyle/>
+          <a:p>
+            <a:endParaRPr lang="en-US" dirty="0"/>
+          </a:p>
+        </p:txBody>
+      </p:sp>
+      <p:sp>
+        <p:nvSpPr>
+          <p:cNvPr id="4" name="Slide Number Placeholder 3"/>
+          <p:cNvSpPr>
+            <a:spLocks noGrp="1"/>
+          </p:cNvSpPr>
+          <p:nvPr>
+            <p:ph type="sldNum" sz="quarter" idx="5"/>
+          </p:nvPr>
+        </p:nvSpPr>
+        <p:spPr/>
+        <p:txBody>
+          <a:bodyPr/>
+          <a:lstStyle/>
+          <a:p>
+            <a:fld id="{6DEB7EE2-04A2-4FB2-9625-C9C73AC4D32F}" type="slidenum">
+              <a:rPr lang="en-US" altLang="en-US" smtClean="0"/>
+              <a:pPr/>
+              <a:t>17</a:t>
+            </a:fld>
+            <a:endParaRPr lang="en-US" altLang="en-US" dirty="0"/>
+          </a:p>
+        </p:txBody>
+      </p:sp>
+    </p:spTree>
+    <p:extLst>
+      <p:ext uri="{BB962C8B-B14F-4D97-AF65-F5344CB8AC3E}">
+        <p14:creationId xmlns:p14="http://schemas.microsoft.com/office/powerpoint/2010/main" val="1419993368"/>
+      </p:ext>
+    </p:extLst>
+  </p:cSld>
+  <p:clrMapOvr>
+    <a:masterClrMapping/>
+  </p:clrMapOvr>
+</p:notes>
+</file>
+
+<file path=ppt/notesSlides/notesSlide18.xml><?xml version="1.0" encoding="utf-8"?>
+<p:notes xmlns:a="http://schemas.openxmlformats.org/drawingml/2006/main" xmlns:r="http://schemas.openxmlformats.org/officeDocument/2006/relationships" xmlns:p="http://schemas.openxmlformats.org/presentationml/2006/main">
+  <p:cSld>
+    <p:spTree>
+      <p:nvGrpSpPr>
+        <p:cNvPr id="1" name=""/>
+        <p:cNvGrpSpPr/>
+        <p:nvPr/>
+      </p:nvGrpSpPr>
+      <p:grpSpPr>
+        <a:xfrm>
+          <a:off x="0" y="0"/>
+          <a:ext cx="0" cy="0"/>
+          <a:chOff x="0" y="0"/>
+          <a:chExt cx="0" cy="0"/>
+        </a:xfrm>
+      </p:grpSpPr>
+      <p:sp>
+        <p:nvSpPr>
+          <p:cNvPr id="2" name="Slide Image Placeholder 1"/>
+          <p:cNvSpPr>
+            <a:spLocks noGrp="1" noRot="1" noChangeAspect="1"/>
+          </p:cNvSpPr>
+          <p:nvPr>
+            <p:ph type="sldImg"/>
+          </p:nvPr>
+        </p:nvSpPr>
+        <p:spPr/>
+      </p:sp>
+      <p:sp>
+        <p:nvSpPr>
+          <p:cNvPr id="3" name="Notes Placeholder 2"/>
+          <p:cNvSpPr>
+            <a:spLocks noGrp="1"/>
+          </p:cNvSpPr>
+          <p:nvPr>
+            <p:ph type="body" idx="1"/>
+          </p:nvPr>
+        </p:nvSpPr>
+        <p:spPr/>
+        <p:txBody>
+          <a:bodyPr/>
+          <a:lstStyle/>
+          <a:p>
+            <a:endParaRPr lang="en-US" dirty="0"/>
+          </a:p>
+        </p:txBody>
+      </p:sp>
+      <p:sp>
+        <p:nvSpPr>
+          <p:cNvPr id="4" name="Slide Number Placeholder 3"/>
+          <p:cNvSpPr>
+            <a:spLocks noGrp="1"/>
+          </p:cNvSpPr>
+          <p:nvPr>
+            <p:ph type="sldNum" sz="quarter" idx="5"/>
+          </p:nvPr>
+        </p:nvSpPr>
+        <p:spPr/>
+        <p:txBody>
+          <a:bodyPr/>
+          <a:lstStyle/>
+          <a:p>
+            <a:fld id="{6DEB7EE2-04A2-4FB2-9625-C9C73AC4D32F}" type="slidenum">
+              <a:rPr lang="en-US" altLang="en-US" smtClean="0"/>
+              <a:pPr/>
+              <a:t>18</a:t>
+            </a:fld>
+            <a:endParaRPr lang="en-US" altLang="en-US" dirty="0"/>
+          </a:p>
+        </p:txBody>
+      </p:sp>
+    </p:spTree>
+    <p:extLst>
+      <p:ext uri="{BB962C8B-B14F-4D97-AF65-F5344CB8AC3E}">
+        <p14:creationId xmlns:p14="http://schemas.microsoft.com/office/powerpoint/2010/main" val="162959645"/>
+      </p:ext>
+    </p:extLst>
+  </p:cSld>
+  <p:clrMapOvr>
+    <a:masterClrMapping/>
+  </p:clrMapOvr>
+</p:notes>
+</file>
+
+<file path=ppt/notesSlides/notesSlide19.xml><?xml version="1.0" encoding="utf-8"?>
+<p:notes xmlns:a="http://schemas.openxmlformats.org/drawingml/2006/main" xmlns:r="http://schemas.openxmlformats.org/officeDocument/2006/relationships" xmlns:p="http://schemas.openxmlformats.org/presentationml/2006/main">
+  <p:cSld>
+    <p:spTree>
+      <p:nvGrpSpPr>
+        <p:cNvPr id="1" name=""/>
+        <p:cNvGrpSpPr/>
+        <p:nvPr/>
+      </p:nvGrpSpPr>
+      <p:grpSpPr>
+        <a:xfrm>
+          <a:off x="0" y="0"/>
+          <a:ext cx="0" cy="0"/>
+          <a:chOff x="0" y="0"/>
+          <a:chExt cx="0" cy="0"/>
+        </a:xfrm>
+      </p:grpSpPr>
+      <p:sp>
+        <p:nvSpPr>
+          <p:cNvPr id="2" name="Slide Image Placeholder 1"/>
+          <p:cNvSpPr>
+            <a:spLocks noGrp="1" noRot="1" noChangeAspect="1"/>
+          </p:cNvSpPr>
+          <p:nvPr>
+            <p:ph type="sldImg"/>
+          </p:nvPr>
+        </p:nvSpPr>
+        <p:spPr/>
+      </p:sp>
+      <p:sp>
+        <p:nvSpPr>
+          <p:cNvPr id="3" name="Notes Placeholder 2"/>
+          <p:cNvSpPr>
+            <a:spLocks noGrp="1"/>
+          </p:cNvSpPr>
+          <p:nvPr>
+            <p:ph type="body" idx="1"/>
+          </p:nvPr>
+        </p:nvSpPr>
+        <p:spPr/>
+        <p:txBody>
+          <a:bodyPr/>
+          <a:lstStyle/>
+          <a:p>
+            <a:endParaRPr lang="en-US" dirty="0"/>
+          </a:p>
+        </p:txBody>
+      </p:sp>
+      <p:sp>
+        <p:nvSpPr>
+          <p:cNvPr id="4" name="Slide Number Placeholder 3"/>
+          <p:cNvSpPr>
+            <a:spLocks noGrp="1"/>
+          </p:cNvSpPr>
+          <p:nvPr>
+            <p:ph type="sldNum" sz="quarter" idx="5"/>
+          </p:nvPr>
+        </p:nvSpPr>
+        <p:spPr/>
+        <p:txBody>
+          <a:bodyPr/>
+          <a:lstStyle/>
+          <a:p>
+            <a:fld id="{6DEB7EE2-04A2-4FB2-9625-C9C73AC4D32F}" type="slidenum">
+              <a:rPr lang="en-US" altLang="en-US" smtClean="0"/>
+              <a:pPr/>
+              <a:t>19</a:t>
+            </a:fld>
+            <a:endParaRPr lang="en-US" altLang="en-US" dirty="0"/>
+          </a:p>
+        </p:txBody>
+      </p:sp>
+    </p:spTree>
+    <p:extLst>
+      <p:ext uri="{BB962C8B-B14F-4D97-AF65-F5344CB8AC3E}">
+        <p14:creationId xmlns:p14="http://schemas.microsoft.com/office/powerpoint/2010/main" val="586614868"/>
+      </p:ext>
+    </p:extLst>
+  </p:cSld>
+  <p:clrMapOvr>
+    <a:masterClrMapping/>
+  </p:clrMapOvr>
+</p:notes>
+</file>
+
+<file path=ppt/notesSlides/notesSlide2.xml><?xml version="1.0" encoding="utf-8"?>
+<p:notes xmlns:a="http://schemas.openxmlformats.org/drawingml/2006/main" xmlns:r="http://schemas.openxmlformats.org/officeDocument/2006/relationships" xmlns:p="http://schemas.openxmlformats.org/presentationml/2006/main">
+  <p:cSld>
+    <p:spTree>
+      <p:nvGrpSpPr>
+        <p:cNvPr id="1" name=""/>
+        <p:cNvGrpSpPr/>
+        <p:nvPr/>
+      </p:nvGrpSpPr>
+      <p:grpSpPr>
+        <a:xfrm>
+          <a:off x="0" y="0"/>
+          <a:ext cx="0" cy="0"/>
+          <a:chOff x="0" y="0"/>
+          <a:chExt cx="0" cy="0"/>
+        </a:xfrm>
+      </p:grpSpPr>
+      <p:sp>
+        <p:nvSpPr>
+          <p:cNvPr id="2" name="Slide Image Placeholder 1"/>
+          <p:cNvSpPr>
+            <a:spLocks noGrp="1" noRot="1" noChangeAspect="1"/>
+          </p:cNvSpPr>
+          <p:nvPr>
+            <p:ph type="sldImg"/>
+          </p:nvPr>
+        </p:nvSpPr>
+        <p:spPr/>
+      </p:sp>
+      <p:sp>
+        <p:nvSpPr>
+          <p:cNvPr id="3" name="Notes Placeholder 2"/>
+          <p:cNvSpPr>
+            <a:spLocks noGrp="1"/>
+          </p:cNvSpPr>
+          <p:nvPr>
+            <p:ph type="body" idx="1"/>
+          </p:nvPr>
+        </p:nvSpPr>
+        <p:spPr/>
+        <p:txBody>
+          <a:bodyPr/>
+          <a:lstStyle/>
+          <a:p>
+            <a:endParaRPr lang="en-US" dirty="0"/>
+          </a:p>
+        </p:txBody>
+      </p:sp>
+      <p:sp>
+        <p:nvSpPr>
+          <p:cNvPr id="4" name="Slide Number Placeholder 3"/>
+          <p:cNvSpPr>
+            <a:spLocks noGrp="1"/>
+          </p:cNvSpPr>
+          <p:nvPr>
+            <p:ph type="sldNum" sz="quarter" idx="5"/>
+          </p:nvPr>
+        </p:nvSpPr>
+        <p:spPr/>
+        <p:txBody>
+          <a:bodyPr/>
+          <a:lstStyle/>
+          <a:p>
+            <a:fld id="{6DEB7EE2-04A2-4FB2-9625-C9C73AC4D32F}" type="slidenum">
+              <a:rPr lang="en-US" altLang="en-US" smtClean="0"/>
+              <a:pPr/>
+              <a:t>2</a:t>
+            </a:fld>
+            <a:endParaRPr lang="en-US" altLang="en-US" dirty="0"/>
+          </a:p>
+        </p:txBody>
+      </p:sp>
+    </p:spTree>
+    <p:extLst>
+      <p:ext uri="{BB962C8B-B14F-4D97-AF65-F5344CB8AC3E}">
+        <p14:creationId xmlns:p14="http://schemas.microsoft.com/office/powerpoint/2010/main" val="974077188"/>
+      </p:ext>
+    </p:extLst>
+  </p:cSld>
+  <p:clrMapOvr>
+    <a:masterClrMapping/>
+  </p:clrMapOvr>
+</p:notes>
+</file>
+
+<file path=ppt/notesSlides/notesSlide20.xml><?xml version="1.0" encoding="utf-8"?>
+<p:notes xmlns:a="http://schemas.openxmlformats.org/drawingml/2006/main" xmlns:r="http://schemas.openxmlformats.org/officeDocument/2006/relationships" xmlns:p="http://schemas.openxmlformats.org/presentationml/2006/main" showMasterSp="0" showMasterPhAnim="0">
+  <p:cSld>
+    <p:spTree>
+      <p:nvGrpSpPr>
+        <p:cNvPr id="1" name="Shape 939"/>
+        <p:cNvGrpSpPr/>
+        <p:nvPr/>
+      </p:nvGrpSpPr>
+      <p:grpSpPr>
+        <a:xfrm>
+          <a:off x="0" y="0"/>
+          <a:ext cx="0" cy="0"/>
+          <a:chOff x="0" y="0"/>
+          <a:chExt cx="0" cy="0"/>
+        </a:xfrm>
+      </p:grpSpPr>
+      <p:sp>
+        <p:nvSpPr>
+          <p:cNvPr id="940" name="Google Shape;940;p61:notes"/>
+          <p:cNvSpPr txBox="1">
+            <a:spLocks noGrp="1"/>
+          </p:cNvSpPr>
+          <p:nvPr>
+            <p:ph type="body" idx="1"/>
+          </p:nvPr>
+        </p:nvSpPr>
+        <p:spPr>
+          <a:xfrm>
+            <a:off x="914400" y="2474913"/>
+            <a:ext cx="7315200" cy="2025650"/>
+          </a:xfrm>
+          <a:prstGeom prst="rect">
+            <a:avLst/>
+          </a:prstGeom>
+        </p:spPr>
+        <p:txBody>
+          <a:bodyPr spcFirstLastPara="1" wrap="square" lIns="91425" tIns="45700" rIns="91425" bIns="45700" anchor="t" anchorCtr="0">
+            <a:noAutofit/>
+          </a:bodyPr>
+          <a:lstStyle/>
+          <a:p>
+            <a:pPr marL="0" lvl="0" indent="0" algn="l" rtl="0">
+              <a:spcBef>
+                <a:spcPts val="0"/>
+              </a:spcBef>
+              <a:spcAft>
+                <a:spcPts val="0"/>
+              </a:spcAft>
+              <a:buNone/>
+            </a:pPr>
+            <a:endParaRPr/>
+          </a:p>
+        </p:txBody>
+      </p:sp>
+      <p:sp>
+        <p:nvSpPr>
+          <p:cNvPr id="941" name="Google Shape;941;p61:notes"/>
+          <p:cNvSpPr>
+            <a:spLocks noGrp="1" noRot="1" noChangeAspect="1"/>
+          </p:cNvSpPr>
+          <p:nvPr>
+            <p:ph type="sldImg" idx="2"/>
+          </p:nvPr>
+        </p:nvSpPr>
+        <p:spPr>
+          <a:xfrm>
+            <a:off x="3028950" y="642938"/>
+            <a:ext cx="3086100" cy="1736725"/>
+          </a:xfrm>
+          <a:custGeom>
+            <a:avLst/>
+            <a:gdLst/>
+            <a:ahLst/>
+            <a:cxnLst/>
+            <a:rect l="l" t="t" r="r" b="b"/>
+            <a:pathLst>
+              <a:path w="120000" h="120000" extrusionOk="0">
+                <a:moveTo>
+                  <a:pt x="0" y="0"/>
+                </a:moveTo>
+                <a:lnTo>
+                  <a:pt x="120000" y="0"/>
+                </a:lnTo>
+                <a:lnTo>
+                  <a:pt x="120000" y="120000"/>
+                </a:lnTo>
+                <a:lnTo>
+                  <a:pt x="0" y="120000"/>
+                </a:lnTo>
+                <a:close/>
+              </a:path>
+            </a:pathLst>
+          </a:custGeom>
+        </p:spPr>
+      </p:sp>
+    </p:spTree>
+  </p:cSld>
+  <p:clrMapOvr>
+    <a:masterClrMapping/>
+  </p:clrMapOvr>
+</p:notes>
+</file>
+
+<file path=ppt/notesSlides/notesSlide3.xml><?xml version="1.0" encoding="utf-8"?>
 <p:notes xmlns:a="http://schemas.openxmlformats.org/drawingml/2006/main" xmlns:r="http://schemas.openxmlformats.org/officeDocument/2006/relationships" xmlns:p="http://schemas.openxmlformats.org/presentationml/2006/main" showMasterSp="0" showMasterPhAnim="0">
   <p:cSld>
     <p:spTree>
@@ -3099,13 +3272,18 @@
             </a:pPr>
             <a:fld id="{00000000-1234-1234-1234-123412341234}" type="slidenum">
               <a:rPr lang="en-US"/>
-              <a:t>4</a:t>
+              <a:t>3</a:t>
             </a:fld>
             <a:endParaRPr/>
           </a:p>
         </p:txBody>
       </p:sp>
     </p:spTree>
+    <p:extLst>
+      <p:ext uri="{BB962C8B-B14F-4D97-AF65-F5344CB8AC3E}">
+        <p14:creationId xmlns:p14="http://schemas.microsoft.com/office/powerpoint/2010/main" val="1537830314"/>
+      </p:ext>
+    </p:extLst>
   </p:cSld>
   <p:clrMapOvr>
     <a:masterClrMapping/>
@@ -3113,7 +3291,7 @@
 </p:notes>
 </file>
 
-<file path=ppt/notesSlides/notesSlide5.xml><?xml version="1.0" encoding="utf-8"?>
+<file path=ppt/notesSlides/notesSlide4.xml><?xml version="1.0" encoding="utf-8"?>
 <p:notes xmlns:a="http://schemas.openxmlformats.org/drawingml/2006/main" xmlns:r="http://schemas.openxmlformats.org/officeDocument/2006/relationships" xmlns:p="http://schemas.openxmlformats.org/presentationml/2006/main" showMasterSp="0" showMasterPhAnim="0">
   <p:cSld>
     <p:spTree>
@@ -3263,18 +3441,13 @@
             </a:pPr>
             <a:fld id="{00000000-1234-1234-1234-123412341234}" type="slidenum">
               <a:rPr lang="en-US"/>
-              <a:t>5</a:t>
+              <a:t>4</a:t>
             </a:fld>
             <a:endParaRPr/>
           </a:p>
         </p:txBody>
       </p:sp>
     </p:spTree>
-    <p:extLst>
-      <p:ext uri="{BB962C8B-B14F-4D97-AF65-F5344CB8AC3E}">
-        <p14:creationId xmlns:p14="http://schemas.microsoft.com/office/powerpoint/2010/main" val="2362962100"/>
-      </p:ext>
-    </p:extLst>
   </p:cSld>
   <p:clrMapOvr>
     <a:masterClrMapping/>
@@ -3282,7 +3455,7 @@
 </p:notes>
 </file>
 
-<file path=ppt/notesSlides/notesSlide6.xml><?xml version="1.0" encoding="utf-8"?>
+<file path=ppt/notesSlides/notesSlide5.xml><?xml version="1.0" encoding="utf-8"?>
 <p:notes xmlns:a="http://schemas.openxmlformats.org/drawingml/2006/main" xmlns:r="http://schemas.openxmlformats.org/officeDocument/2006/relationships" xmlns:p="http://schemas.openxmlformats.org/presentationml/2006/main" showMasterSp="0" showMasterPhAnim="0">
   <p:cSld>
     <p:spTree>
@@ -3432,7 +3605,7 @@
             </a:pPr>
             <a:fld id="{00000000-1234-1234-1234-123412341234}" type="slidenum">
               <a:rPr lang="en-US"/>
-              <a:t>6</a:t>
+              <a:t>5</a:t>
             </a:fld>
             <a:endParaRPr/>
           </a:p>
@@ -3441,7 +3614,7 @@
     </p:spTree>
     <p:extLst>
       <p:ext uri="{BB962C8B-B14F-4D97-AF65-F5344CB8AC3E}">
-        <p14:creationId xmlns:p14="http://schemas.microsoft.com/office/powerpoint/2010/main" val="1598644485"/>
+        <p14:creationId xmlns:p14="http://schemas.microsoft.com/office/powerpoint/2010/main" val="2362962100"/>
       </p:ext>
     </p:extLst>
   </p:cSld>
@@ -3451,7 +3624,7 @@
 </p:notes>
 </file>
 
-<file path=ppt/notesSlides/notesSlide7.xml><?xml version="1.0" encoding="utf-8"?>
+<file path=ppt/notesSlides/notesSlide6.xml><?xml version="1.0" encoding="utf-8"?>
 <p:notes xmlns:a="http://schemas.openxmlformats.org/drawingml/2006/main" xmlns:r="http://schemas.openxmlformats.org/officeDocument/2006/relationships" xmlns:p="http://schemas.openxmlformats.org/presentationml/2006/main" showMasterSp="0" showMasterPhAnim="0">
   <p:cSld>
     <p:spTree>
@@ -3601,7 +3774,7 @@
             </a:pPr>
             <a:fld id="{00000000-1234-1234-1234-123412341234}" type="slidenum">
               <a:rPr lang="en-US"/>
-              <a:t>7</a:t>
+              <a:t>6</a:t>
             </a:fld>
             <a:endParaRPr/>
           </a:p>
@@ -3610,7 +3783,7 @@
     </p:spTree>
     <p:extLst>
       <p:ext uri="{BB962C8B-B14F-4D97-AF65-F5344CB8AC3E}">
-        <p14:creationId xmlns:p14="http://schemas.microsoft.com/office/powerpoint/2010/main" val="917786052"/>
+        <p14:creationId xmlns:p14="http://schemas.microsoft.com/office/powerpoint/2010/main" val="1598644485"/>
       </p:ext>
     </p:extLst>
   </p:cSld>
@@ -3620,7 +3793,7 @@
 </p:notes>
 </file>
 
-<file path=ppt/notesSlides/notesSlide8.xml><?xml version="1.0" encoding="utf-8"?>
+<file path=ppt/notesSlides/notesSlide7.xml><?xml version="1.0" encoding="utf-8"?>
 <p:notes xmlns:a="http://schemas.openxmlformats.org/drawingml/2006/main" xmlns:r="http://schemas.openxmlformats.org/officeDocument/2006/relationships" xmlns:p="http://schemas.openxmlformats.org/presentationml/2006/main" showMasterSp="0" showMasterPhAnim="0">
   <p:cSld>
     <p:spTree>
@@ -3770,7 +3943,7 @@
             </a:pPr>
             <a:fld id="{00000000-1234-1234-1234-123412341234}" type="slidenum">
               <a:rPr lang="en-US"/>
-              <a:t>8</a:t>
+              <a:t>7</a:t>
             </a:fld>
             <a:endParaRPr/>
           </a:p>
@@ -3779,7 +3952,7 @@
     </p:spTree>
     <p:extLst>
       <p:ext uri="{BB962C8B-B14F-4D97-AF65-F5344CB8AC3E}">
-        <p14:creationId xmlns:p14="http://schemas.microsoft.com/office/powerpoint/2010/main" val="2372947960"/>
+        <p14:creationId xmlns:p14="http://schemas.microsoft.com/office/powerpoint/2010/main" val="1689818191"/>
       </p:ext>
     </p:extLst>
   </p:cSld>
@@ -3789,7 +3962,7 @@
 </p:notes>
 </file>
 
-<file path=ppt/notesSlides/notesSlide9.xml><?xml version="1.0" encoding="utf-8"?>
+<file path=ppt/notesSlides/notesSlide8.xml><?xml version="1.0" encoding="utf-8"?>
 <p:notes xmlns:a="http://schemas.openxmlformats.org/drawingml/2006/main" xmlns:r="http://schemas.openxmlformats.org/officeDocument/2006/relationships" xmlns:p="http://schemas.openxmlformats.org/presentationml/2006/main" showMasterSp="0" showMasterPhAnim="0">
   <p:cSld>
     <p:spTree>
@@ -3939,6 +4112,175 @@
             </a:pPr>
             <a:fld id="{00000000-1234-1234-1234-123412341234}" type="slidenum">
               <a:rPr lang="en-US"/>
+              <a:t>8</a:t>
+            </a:fld>
+            <a:endParaRPr/>
+          </a:p>
+        </p:txBody>
+      </p:sp>
+    </p:spTree>
+    <p:extLst>
+      <p:ext uri="{BB962C8B-B14F-4D97-AF65-F5344CB8AC3E}">
+        <p14:creationId xmlns:p14="http://schemas.microsoft.com/office/powerpoint/2010/main" val="917786052"/>
+      </p:ext>
+    </p:extLst>
+  </p:cSld>
+  <p:clrMapOvr>
+    <a:masterClrMapping/>
+  </p:clrMapOvr>
+</p:notes>
+</file>
+
+<file path=ppt/notesSlides/notesSlide9.xml><?xml version="1.0" encoding="utf-8"?>
+<p:notes xmlns:a="http://schemas.openxmlformats.org/drawingml/2006/main" xmlns:r="http://schemas.openxmlformats.org/officeDocument/2006/relationships" xmlns:p="http://schemas.openxmlformats.org/presentationml/2006/main" showMasterSp="0" showMasterPhAnim="0">
+  <p:cSld>
+    <p:spTree>
+      <p:nvGrpSpPr>
+        <p:cNvPr id="1" name="Shape 54"/>
+        <p:cNvGrpSpPr/>
+        <p:nvPr/>
+      </p:nvGrpSpPr>
+      <p:grpSpPr>
+        <a:xfrm>
+          <a:off x="0" y="0"/>
+          <a:ext cx="0" cy="0"/>
+          <a:chOff x="0" y="0"/>
+          <a:chExt cx="0" cy="0"/>
+        </a:xfrm>
+      </p:grpSpPr>
+      <p:sp>
+        <p:nvSpPr>
+          <p:cNvPr id="55" name="Google Shape;55;p2:notes"/>
+          <p:cNvSpPr>
+            <a:spLocks noGrp="1" noRot="1" noChangeAspect="1"/>
+          </p:cNvSpPr>
+          <p:nvPr>
+            <p:ph type="sldImg" idx="2"/>
+          </p:nvPr>
+        </p:nvSpPr>
+        <p:spPr>
+          <a:xfrm>
+            <a:off x="3028950" y="642938"/>
+            <a:ext cx="3086100" cy="1736725"/>
+          </a:xfrm>
+          <a:custGeom>
+            <a:avLst/>
+            <a:gdLst/>
+            <a:ahLst/>
+            <a:cxnLst/>
+            <a:rect l="l" t="t" r="r" b="b"/>
+            <a:pathLst>
+              <a:path w="120000" h="120000" extrusionOk="0">
+                <a:moveTo>
+                  <a:pt x="0" y="0"/>
+                </a:moveTo>
+                <a:lnTo>
+                  <a:pt x="120000" y="0"/>
+                </a:lnTo>
+                <a:lnTo>
+                  <a:pt x="120000" y="120000"/>
+                </a:lnTo>
+                <a:lnTo>
+                  <a:pt x="0" y="120000"/>
+                </a:lnTo>
+                <a:close/>
+              </a:path>
+            </a:pathLst>
+          </a:custGeom>
+          <a:noFill/>
+          <a:ln w="12700" cap="flat" cmpd="sng">
+            <a:solidFill>
+              <a:srgbClr val="000000"/>
+            </a:solidFill>
+            <a:prstDash val="solid"/>
+            <a:round/>
+            <a:headEnd type="none" w="sm" len="sm"/>
+            <a:tailEnd type="none" w="sm" len="sm"/>
+          </a:ln>
+        </p:spPr>
+      </p:sp>
+      <p:sp>
+        <p:nvSpPr>
+          <p:cNvPr id="56" name="Google Shape;56;p2:notes"/>
+          <p:cNvSpPr txBox="1">
+            <a:spLocks noGrp="1"/>
+          </p:cNvSpPr>
+          <p:nvPr>
+            <p:ph type="body" idx="1"/>
+          </p:nvPr>
+        </p:nvSpPr>
+        <p:spPr>
+          <a:xfrm>
+            <a:off x="914400" y="2474913"/>
+            <a:ext cx="7315200" cy="2025650"/>
+          </a:xfrm>
+          <a:prstGeom prst="rect">
+            <a:avLst/>
+          </a:prstGeom>
+          <a:noFill/>
+          <a:ln>
+            <a:noFill/>
+          </a:ln>
+        </p:spPr>
+        <p:txBody>
+          <a:bodyPr spcFirstLastPara="1" wrap="square" lIns="91425" tIns="45700" rIns="91425" bIns="45700" anchor="t" anchorCtr="0">
+            <a:noAutofit/>
+          </a:bodyPr>
+          <a:lstStyle/>
+          <a:p>
+            <a:pPr marL="0" lvl="0" indent="0" algn="l" rtl="0">
+              <a:spcBef>
+                <a:spcPts val="0"/>
+              </a:spcBef>
+              <a:spcAft>
+                <a:spcPts val="0"/>
+              </a:spcAft>
+              <a:buNone/>
+            </a:pPr>
+            <a:endParaRPr/>
+          </a:p>
+        </p:txBody>
+      </p:sp>
+      <p:sp>
+        <p:nvSpPr>
+          <p:cNvPr id="57" name="Google Shape;57;p2:notes"/>
+          <p:cNvSpPr txBox="1">
+            <a:spLocks noGrp="1"/>
+          </p:cNvSpPr>
+          <p:nvPr>
+            <p:ph type="sldNum" idx="12"/>
+          </p:nvPr>
+        </p:nvSpPr>
+        <p:spPr>
+          <a:xfrm>
+            <a:off x="5180013" y="4886325"/>
+            <a:ext cx="3962400" cy="257175"/>
+          </a:xfrm>
+          <a:prstGeom prst="rect">
+            <a:avLst/>
+          </a:prstGeom>
+          <a:noFill/>
+          <a:ln>
+            <a:noFill/>
+          </a:ln>
+        </p:spPr>
+        <p:txBody>
+          <a:bodyPr spcFirstLastPara="1" wrap="square" lIns="91425" tIns="45700" rIns="91425" bIns="45700" anchor="b" anchorCtr="0">
+            <a:noAutofit/>
+          </a:bodyPr>
+          <a:lstStyle/>
+          <a:p>
+            <a:pPr marL="0" lvl="0" indent="0" algn="r" rtl="0">
+              <a:spcBef>
+                <a:spcPts val="0"/>
+              </a:spcBef>
+              <a:spcAft>
+                <a:spcPts val="0"/>
+              </a:spcAft>
+              <a:buNone/>
+            </a:pPr>
+            <a:fld id="{00000000-1234-1234-1234-123412341234}" type="slidenum">
+              <a:rPr lang="en-US"/>
               <a:t>9</a:t>
             </a:fld>
             <a:endParaRPr/>
@@ -3948,7 +4290,7 @@
     </p:spTree>
     <p:extLst>
       <p:ext uri="{BB962C8B-B14F-4D97-AF65-F5344CB8AC3E}">
-        <p14:creationId xmlns:p14="http://schemas.microsoft.com/office/powerpoint/2010/main" val="1998786978"/>
+        <p14:creationId xmlns:p14="http://schemas.microsoft.com/office/powerpoint/2010/main" val="2372947960"/>
       </p:ext>
     </p:extLst>
   </p:cSld>
@@ -8802,7 +9144,7 @@
                   <a:schemeClr val="bg1"/>
                 </a:solidFill>
               </a:rPr>
-              <a:t>Git Merge</a:t>
+              <a:t>Git Stash</a:t>
             </a:r>
           </a:p>
         </p:txBody>
@@ -8839,7 +9181,7 @@
                   <a:schemeClr val="tx1"/>
                 </a:solidFill>
               </a:rPr>
-              <a:t>Git Merging</a:t>
+              <a:t>Git Stash</a:t>
             </a:r>
           </a:p>
           <a:p>
@@ -8853,7 +9195,7 @@
                   <a:schemeClr val="tx1"/>
                 </a:solidFill>
               </a:rPr>
-              <a:t>git merge &lt;branch&gt;: Combines changes from different branches, bringing them together into a unified codebase.</a:t>
+              <a:t>git stash: Temporarily saves changes that are not ready for commit. It allows developers to switch branches without committing incomplete work.</a:t>
             </a:r>
           </a:p>
         </p:txBody>
@@ -8953,7 +9295,7 @@
     </p:spTree>
     <p:extLst>
       <p:ext uri="{BB962C8B-B14F-4D97-AF65-F5344CB8AC3E}">
-        <p14:creationId xmlns:p14="http://schemas.microsoft.com/office/powerpoint/2010/main" val="519429265"/>
+        <p14:creationId xmlns:p14="http://schemas.microsoft.com/office/powerpoint/2010/main" val="2227347594"/>
       </p:ext>
     </p:extLst>
   </p:cSld>
@@ -8988,7 +9330,7 @@
         </p:nvSpPr>
         <p:spPr>
           <a:xfrm>
-            <a:off x="114400" y="228354"/>
+            <a:off x="114400" y="213486"/>
             <a:ext cx="6243473" cy="320601"/>
           </a:xfrm>
           <a:prstGeom prst="rect">
@@ -9005,14 +9347,13 @@
           </a:bodyPr>
           <a:lstStyle/>
           <a:p>
-            <a:pPr marL="12700" lvl="0"/>
             <a:r>
               <a:rPr lang="en-US" sz="2000" dirty="0">
                 <a:solidFill>
                   <a:schemeClr val="bg1"/>
                 </a:solidFill>
               </a:rPr>
-              <a:t>Git Rebase, Pull Requests</a:t>
+              <a:t>Git Merge</a:t>
             </a:r>
           </a:p>
         </p:txBody>
@@ -9026,7 +9367,7 @@
         <p:spPr>
           <a:xfrm>
             <a:off x="277968" y="807920"/>
-            <a:ext cx="7822540" cy="2967479"/>
+            <a:ext cx="7822540" cy="751488"/>
           </a:xfrm>
           <a:prstGeom prst="rect">
             <a:avLst/>
@@ -9049,7 +9390,7 @@
                   <a:schemeClr val="tx1"/>
                 </a:solidFill>
               </a:rPr>
-              <a:t>Git Rebase</a:t>
+              <a:t>Git Merging</a:t>
             </a:r>
           </a:p>
           <a:p>
@@ -9063,88 +9404,8 @@
                   <a:schemeClr val="tx1"/>
                 </a:solidFill>
               </a:rPr>
-              <a:t>git rebase &lt;branch&gt;: Rewrites commit history by moving or combining commits. It helps create a linear and cleaner history.</a:t>
-            </a:r>
-          </a:p>
-          <a:p>
-            <a:pPr marL="12700" lvl="0"/>
-            <a:endParaRPr lang="en-US" sz="1600" b="1" dirty="0">
-              <a:solidFill>
-                <a:schemeClr val="tx1"/>
-              </a:solidFill>
-            </a:endParaRPr>
-          </a:p>
-          <a:p>
-            <a:pPr marL="12700" lvl="0"/>
-            <a:r>
-              <a:rPr lang="en-US" sz="1600" b="1" dirty="0">
-                <a:solidFill>
-                  <a:schemeClr val="tx1"/>
-                </a:solidFill>
-              </a:rPr>
-              <a:t>Working With Multiple Repositories</a:t>
-            </a:r>
-          </a:p>
-          <a:p>
-            <a:pPr marL="298450" lvl="0" indent="-285750">
-              <a:buFont typeface="Wingdings" panose="05000000000000000000" pitchFamily="2" charset="2"/>
-              <a:buChar char="q"/>
-            </a:pPr>
-            <a:r>
-              <a:rPr lang="en-US" sz="1600" dirty="0">
-                <a:solidFill>
-                  <a:schemeClr val="tx1"/>
-                </a:solidFill>
-              </a:rPr>
-              <a:t>git remote add &lt;name&gt; &lt;repository URL&gt;: Links a local repository to a remote repository, allowing collaboration between different copies of the codebase.</a:t>
-            </a:r>
-          </a:p>
-          <a:p>
-            <a:pPr marL="298450" lvl="0" indent="-285750">
-              <a:buFont typeface="Wingdings" panose="05000000000000000000" pitchFamily="2" charset="2"/>
-              <a:buChar char="q"/>
-            </a:pPr>
-            <a:endParaRPr lang="en-US" sz="1600" dirty="0">
-              <a:solidFill>
-                <a:schemeClr val="tx1"/>
-              </a:solidFill>
-            </a:endParaRPr>
-          </a:p>
-          <a:p>
-            <a:pPr marL="12700" lvl="0"/>
-            <a:r>
-              <a:rPr lang="en-US" sz="1600" b="1" dirty="0">
-                <a:solidFill>
-                  <a:schemeClr val="tx1"/>
-                </a:solidFill>
-              </a:rPr>
-              <a:t>Pull Requests</a:t>
-            </a:r>
-          </a:p>
-          <a:p>
-            <a:pPr marL="298450" lvl="0" indent="-285750">
-              <a:buFont typeface="Wingdings" panose="05000000000000000000" pitchFamily="2" charset="2"/>
-              <a:buChar char="q"/>
-            </a:pPr>
-            <a:r>
-              <a:rPr lang="en-US" sz="1600" dirty="0">
-                <a:solidFill>
-                  <a:schemeClr val="tx1"/>
-                </a:solidFill>
-              </a:rPr>
-              <a:t>A feature in platforms like GitHub, pull requests allow developers to propose changes, discuss modifications, and merge code into the main branch.</a:t>
-            </a:r>
-          </a:p>
-          <a:p>
-            <a:pPr marL="298450" lvl="0" indent="-285750">
-              <a:buFont typeface="Wingdings" panose="05000000000000000000" pitchFamily="2" charset="2"/>
-              <a:buChar char="q"/>
-            </a:pPr>
-            <a:endParaRPr lang="en-US" sz="1600" dirty="0">
-              <a:solidFill>
-                <a:schemeClr val="tx1"/>
-              </a:solidFill>
-            </a:endParaRPr>
+              <a:t>git merge &lt;branch&gt;: Combines changes from different branches, bringing them together into a unified codebase.</a:t>
+            </a:r>
           </a:p>
         </p:txBody>
       </p:sp>
@@ -9243,7 +9504,7 @@
     </p:spTree>
     <p:extLst>
       <p:ext uri="{BB962C8B-B14F-4D97-AF65-F5344CB8AC3E}">
-        <p14:creationId xmlns:p14="http://schemas.microsoft.com/office/powerpoint/2010/main" val="596227052"/>
+        <p14:creationId xmlns:p14="http://schemas.microsoft.com/office/powerpoint/2010/main" val="519429265"/>
       </p:ext>
     </p:extLst>
   </p:cSld>
@@ -9278,7 +9539,7 @@
         </p:nvSpPr>
         <p:spPr>
           <a:xfrm>
-            <a:off x="114400" y="213486"/>
+            <a:off x="114400" y="228354"/>
             <a:ext cx="6243473" cy="320601"/>
           </a:xfrm>
           <a:prstGeom prst="rect">
@@ -9302,7 +9563,7 @@
                   <a:schemeClr val="bg1"/>
                 </a:solidFill>
               </a:rPr>
-              <a:t>Git Log</a:t>
+              <a:t>Git Rebase, Pull Requests</a:t>
             </a:r>
           </a:p>
         </p:txBody>
@@ -9316,7 +9577,7 @@
         <p:spPr>
           <a:xfrm>
             <a:off x="277968" y="807920"/>
-            <a:ext cx="7822540" cy="751488"/>
+            <a:ext cx="7822540" cy="2967479"/>
           </a:xfrm>
           <a:prstGeom prst="rect">
             <a:avLst/>
@@ -9332,6 +9593,17 @@
           </a:bodyPr>
           <a:lstStyle/>
           <a:p>
+            <a:pPr marL="12700" lvl="0"/>
+            <a:r>
+              <a:rPr lang="en-US" sz="1600" b="1" dirty="0">
+                <a:solidFill>
+                  <a:schemeClr val="tx1"/>
+                </a:solidFill>
+              </a:rPr>
+              <a:t>Git Rebase</a:t>
+            </a:r>
+          </a:p>
+          <a:p>
             <a:pPr marL="298450" lvl="0" indent="-285750">
               <a:buFont typeface="Wingdings" panose="05000000000000000000" pitchFamily="2" charset="2"/>
               <a:buChar char="q"/>
@@ -9342,11 +9614,30 @@
                   <a:schemeClr val="tx1"/>
                 </a:solidFill>
               </a:rPr>
-              <a:t>git log: Displays the commit history of the repository, providing details such as commit messages, authors, and timestamps.</a:t>
-            </a:r>
-          </a:p>
-          <a:p>
-            <a:pPr marL="298450" lvl="4" indent="-285750">
+              <a:t>git rebase &lt;branch&gt;: Rewrites commit history by moving or combining commits. It helps create a linear and cleaner history.</a:t>
+            </a:r>
+          </a:p>
+          <a:p>
+            <a:pPr marL="12700" lvl="0"/>
+            <a:endParaRPr lang="en-US" sz="1600" b="1" dirty="0">
+              <a:solidFill>
+                <a:schemeClr val="tx1"/>
+              </a:solidFill>
+            </a:endParaRPr>
+          </a:p>
+          <a:p>
+            <a:pPr marL="12700" lvl="0"/>
+            <a:r>
+              <a:rPr lang="en-US" sz="1600" b="1" dirty="0">
+                <a:solidFill>
+                  <a:schemeClr val="tx1"/>
+                </a:solidFill>
+              </a:rPr>
+              <a:t>Working With Multiple Repositories</a:t>
+            </a:r>
+          </a:p>
+          <a:p>
+            <a:pPr marL="298450" lvl="0" indent="-285750">
               <a:buFont typeface="Wingdings" panose="05000000000000000000" pitchFamily="2" charset="2"/>
               <a:buChar char="q"/>
             </a:pPr>
@@ -9356,24 +9647,55 @@
                   <a:schemeClr val="tx1"/>
                 </a:solidFill>
               </a:rPr>
-              <a:t>Options: --</a:t>
-            </a:r>
-            <a:r>
-              <a:rPr lang="en-US" sz="1600" dirty="0" err="1">
+              <a:t>git remote add &lt;name&gt; &lt;repository URL&gt;: Links a local repository to a remote repository, allowing collaboration between different copies of the codebase.</a:t>
+            </a:r>
+          </a:p>
+          <a:p>
+            <a:pPr marL="298450" lvl="0" indent="-285750">
+              <a:buFont typeface="Wingdings" panose="05000000000000000000" pitchFamily="2" charset="2"/>
+              <a:buChar char="q"/>
+            </a:pPr>
+            <a:endParaRPr lang="en-US" sz="1600" dirty="0">
+              <a:solidFill>
+                <a:schemeClr val="tx1"/>
+              </a:solidFill>
+            </a:endParaRPr>
+          </a:p>
+          <a:p>
+            <a:pPr marL="12700" lvl="0"/>
+            <a:r>
+              <a:rPr lang="en-US" sz="1600" b="1" dirty="0">
                 <a:solidFill>
                   <a:schemeClr val="tx1"/>
                 </a:solidFill>
               </a:rPr>
-              <a:t>oneline</a:t>
-            </a:r>
+              <a:t>Pull Requests</a:t>
+            </a:r>
+          </a:p>
+          <a:p>
+            <a:pPr marL="298450" lvl="0" indent="-285750">
+              <a:buFont typeface="Wingdings" panose="05000000000000000000" pitchFamily="2" charset="2"/>
+              <a:buChar char="q"/>
+            </a:pPr>
             <a:r>
               <a:rPr lang="en-US" sz="1600" dirty="0">
                 <a:solidFill>
                   <a:schemeClr val="tx1"/>
                 </a:solidFill>
               </a:rPr>
-              <a:t>, --graph, --since.</a:t>
-            </a:r>
+              <a:t>A feature in platforms like GitHub, pull requests allow developers to propose changes, discuss modifications, and merge code into the main branch.</a:t>
+            </a:r>
+          </a:p>
+          <a:p>
+            <a:pPr marL="298450" lvl="0" indent="-285750">
+              <a:buFont typeface="Wingdings" panose="05000000000000000000" pitchFamily="2" charset="2"/>
+              <a:buChar char="q"/>
+            </a:pPr>
+            <a:endParaRPr lang="en-US" sz="1600" dirty="0">
+              <a:solidFill>
+                <a:schemeClr val="tx1"/>
+              </a:solidFill>
+            </a:endParaRPr>
           </a:p>
         </p:txBody>
       </p:sp>
@@ -9472,7 +9794,7 @@
     </p:spTree>
     <p:extLst>
       <p:ext uri="{BB962C8B-B14F-4D97-AF65-F5344CB8AC3E}">
-        <p14:creationId xmlns:p14="http://schemas.microsoft.com/office/powerpoint/2010/main" val="3055478292"/>
+        <p14:creationId xmlns:p14="http://schemas.microsoft.com/office/powerpoint/2010/main" val="596227052"/>
       </p:ext>
     </p:extLst>
   </p:cSld>
@@ -9531,21 +9853,8 @@
                   <a:schemeClr val="bg1"/>
                 </a:solidFill>
               </a:rPr>
-              <a:t>Git Hooks - </a:t>
-            </a:r>
-            <a:r>
-              <a:rPr lang="en-US" sz="2000" dirty="0" err="1">
-                <a:solidFill>
-                  <a:schemeClr val="bg1"/>
-                </a:solidFill>
-              </a:rPr>
-              <a:t>Precommit</a:t>
-            </a:r>
-            <a:endParaRPr lang="en-US" sz="2000" dirty="0">
-              <a:solidFill>
-                <a:schemeClr val="bg1"/>
-              </a:solidFill>
-            </a:endParaRPr>
+              <a:t>Git Log</a:t>
+            </a:r>
           </a:p>
         </p:txBody>
       </p:sp>
@@ -9558,7 +9867,7 @@
         <p:spPr>
           <a:xfrm>
             <a:off x="277968" y="807920"/>
-            <a:ext cx="7822540" cy="2228815"/>
+            <a:ext cx="7822540" cy="751488"/>
           </a:xfrm>
           <a:prstGeom prst="rect">
             <a:avLst/>
@@ -9574,83 +9883,48 @@
           </a:bodyPr>
           <a:lstStyle/>
           <a:p>
-            <a:pPr marL="12700" lvl="0"/>
+            <a:pPr marL="298450" lvl="0" indent="-285750">
+              <a:buFont typeface="Wingdings" panose="05000000000000000000" pitchFamily="2" charset="2"/>
+              <a:buChar char="q"/>
+            </a:pPr>
             <a:r>
               <a:rPr lang="en-US" sz="1600" dirty="0">
                 <a:solidFill>
                   <a:schemeClr val="tx1"/>
                 </a:solidFill>
               </a:rPr>
-              <a:t>Custom scripts triggered by Git events. Examples include pre-commit and post-commit hooks.</a:t>
-            </a:r>
-          </a:p>
-          <a:p>
-            <a:pPr marL="12700" lvl="0"/>
-            <a:endParaRPr lang="en-US" sz="1600" dirty="0">
-              <a:solidFill>
-                <a:schemeClr val="tx1"/>
-              </a:solidFill>
-            </a:endParaRPr>
-          </a:p>
-          <a:p>
-            <a:pPr marL="12700" lvl="0"/>
+              <a:t>git log: Displays the commit history of the repository, providing details such as commit messages, authors, and timestamps.</a:t>
+            </a:r>
+          </a:p>
+          <a:p>
+            <a:pPr marL="298450" lvl="4" indent="-285750">
+              <a:buFont typeface="Wingdings" panose="05000000000000000000" pitchFamily="2" charset="2"/>
+              <a:buChar char="q"/>
+            </a:pPr>
             <a:r>
               <a:rPr lang="en-US" sz="1600" dirty="0">
                 <a:solidFill>
                   <a:schemeClr val="tx1"/>
                 </a:solidFill>
               </a:rPr>
-              <a:t>Example of a pre-commit hook:</a:t>
-            </a:r>
-          </a:p>
-          <a:p>
-            <a:pPr marL="12700" lvl="0"/>
-            <a:endParaRPr lang="en-US" sz="1600" dirty="0">
-              <a:solidFill>
-                <a:schemeClr val="tx1"/>
-              </a:solidFill>
-            </a:endParaRPr>
-          </a:p>
-          <a:p>
-            <a:pPr marL="12700" lvl="0"/>
-            <a:r>
-              <a:rPr lang="en-US" sz="1600" i="1" dirty="0">
+              <a:t>Options: --</a:t>
+            </a:r>
+            <a:r>
+              <a:rPr lang="en-US" sz="1600" dirty="0" err="1">
                 <a:solidFill>
                   <a:schemeClr val="tx1"/>
                 </a:solidFill>
               </a:rPr>
-              <a:t>#!/bin/bash</a:t>
-            </a:r>
-          </a:p>
-          <a:p>
-            <a:pPr marL="12700" lvl="0"/>
-            <a:r>
-              <a:rPr lang="en-US" sz="1600" i="1" dirty="0">
+              <a:t>oneline</a:t>
+            </a:r>
+            <a:r>
+              <a:rPr lang="en-US" sz="1600" dirty="0">
                 <a:solidFill>
                   <a:schemeClr val="tx1"/>
                 </a:solidFill>
               </a:rPr>
-              <a:t>echo "Running pre-commit checks..."</a:t>
-            </a:r>
-          </a:p>
-          <a:p>
-            <a:pPr marL="12700" lvl="0"/>
-            <a:r>
-              <a:rPr lang="en-US" sz="1600" i="1" dirty="0">
-                <a:solidFill>
-                  <a:schemeClr val="tx1"/>
-                </a:solidFill>
-              </a:rPr>
-              <a:t># Add custom checks here</a:t>
-            </a:r>
-          </a:p>
-          <a:p>
-            <a:pPr marL="12700" lvl="0"/>
-            <a:endParaRPr lang="en-US" sz="1600" dirty="0">
-              <a:solidFill>
-                <a:schemeClr val="tx1"/>
-              </a:solidFill>
-            </a:endParaRPr>
+              <a:t>, --graph, --since.</a:t>
+            </a:r>
           </a:p>
         </p:txBody>
       </p:sp>
@@ -9749,7 +10023,7 @@
     </p:spTree>
     <p:extLst>
       <p:ext uri="{BB962C8B-B14F-4D97-AF65-F5344CB8AC3E}">
-        <p14:creationId xmlns:p14="http://schemas.microsoft.com/office/powerpoint/2010/main" val="2204403616"/>
+        <p14:creationId xmlns:p14="http://schemas.microsoft.com/office/powerpoint/2010/main" val="3055478292"/>
       </p:ext>
     </p:extLst>
   </p:cSld>
@@ -9808,8 +10082,21 @@
                   <a:schemeClr val="bg1"/>
                 </a:solidFill>
               </a:rPr>
-              <a:t>Git Hooks – Post Commit</a:t>
-            </a:r>
+              <a:t>Git Hooks - </a:t>
+            </a:r>
+            <a:r>
+              <a:rPr lang="en-US" sz="2000" dirty="0" err="1">
+                <a:solidFill>
+                  <a:schemeClr val="bg1"/>
+                </a:solidFill>
+              </a:rPr>
+              <a:t>Precommit</a:t>
+            </a:r>
+            <a:endParaRPr lang="en-US" sz="2000" dirty="0">
+              <a:solidFill>
+                <a:schemeClr val="bg1"/>
+              </a:solidFill>
+            </a:endParaRPr>
           </a:p>
         </p:txBody>
       </p:sp>
@@ -9822,7 +10109,7 @@
         <p:spPr>
           <a:xfrm>
             <a:off x="277968" y="807920"/>
-            <a:ext cx="7822540" cy="4121641"/>
+            <a:ext cx="7822540" cy="2228815"/>
           </a:xfrm>
           <a:prstGeom prst="rect">
             <a:avLst/>
@@ -9845,7 +10132,7 @@
                   <a:schemeClr val="tx1"/>
                 </a:solidFill>
               </a:rPr>
-              <a:t>A post-commit hook is a custom script that runs automatically after a commit has been made in a Git repository. It can be used to perform additional actions or tasks based on the successful completion of a commit. Here's an example of a post-commit hook:</a:t>
+              <a:t>Custom scripts triggered by Git events. Examples include pre-commit and post-commit hooks.</a:t>
             </a:r>
           </a:p>
           <a:p>
@@ -9859,28 +10146,17 @@
           <a:p>
             <a:pPr marL="12700" lvl="0"/>
             <a:r>
-              <a:rPr lang="en-US" sz="1100" i="1" dirty="0">
+              <a:rPr lang="en-US" sz="1600" dirty="0">
                 <a:solidFill>
                   <a:schemeClr val="tx1"/>
                 </a:solidFill>
               </a:rPr>
-              <a:t>#!/bin/bash</a:t>
+              <a:t>Example of a pre-commit hook:</a:t>
             </a:r>
           </a:p>
           <a:p>
             <a:pPr marL="12700" lvl="0"/>
-            <a:r>
-              <a:rPr lang="en-US" sz="1100" i="1" dirty="0">
-                <a:solidFill>
-                  <a:schemeClr val="tx1"/>
-                </a:solidFill>
-              </a:rPr>
-              <a:t># post-commit hook example</a:t>
-            </a:r>
-          </a:p>
-          <a:p>
-            <a:pPr marL="12700" lvl="0"/>
-            <a:endParaRPr lang="en-US" sz="1100" i="1" dirty="0">
+            <a:endParaRPr lang="en-US" sz="1600" dirty="0">
               <a:solidFill>
                 <a:schemeClr val="tx1"/>
               </a:solidFill>
@@ -9889,143 +10165,34 @@
           <a:p>
             <a:pPr marL="12700" lvl="0"/>
             <a:r>
-              <a:rPr lang="en-US" sz="1100" i="1" dirty="0">
+              <a:rPr lang="en-US" sz="1600" i="1" dirty="0">
                 <a:solidFill>
                   <a:schemeClr val="tx1"/>
                 </a:solidFill>
               </a:rPr>
-              <a:t>echo "Executing post-commit hook..."</a:t>
+              <a:t>#!/bin/bash</a:t>
             </a:r>
           </a:p>
           <a:p>
             <a:pPr marL="12700" lvl="0"/>
-            <a:endParaRPr lang="en-US" sz="1100" i="1" dirty="0">
-              <a:solidFill>
-                <a:schemeClr val="tx1"/>
-              </a:solidFill>
-            </a:endParaRPr>
+            <a:r>
+              <a:rPr lang="en-US" sz="1600" i="1" dirty="0">
+                <a:solidFill>
+                  <a:schemeClr val="tx1"/>
+                </a:solidFill>
+              </a:rPr>
+              <a:t>echo "Running pre-commit checks..."</a:t>
+            </a:r>
           </a:p>
           <a:p>
             <a:pPr marL="12700" lvl="0"/>
             <a:r>
-              <a:rPr lang="en-US" sz="1100" i="1" dirty="0">
+              <a:rPr lang="en-US" sz="1600" i="1" dirty="0">
                 <a:solidFill>
                   <a:schemeClr val="tx1"/>
                 </a:solidFill>
               </a:rPr>
-              <a:t># Notify developers or team members about the commit</a:t>
-            </a:r>
-          </a:p>
-          <a:p>
-            <a:pPr marL="12700" lvl="0"/>
-            <a:r>
-              <a:rPr lang="en-US" sz="1100" i="1" dirty="0">
-                <a:solidFill>
-                  <a:schemeClr val="tx1"/>
-                </a:solidFill>
-              </a:rPr>
-              <a:t># This could be done via email, messaging, or any other communication method</a:t>
-            </a:r>
-          </a:p>
-          <a:p>
-            <a:pPr marL="12700" lvl="0"/>
-            <a:r>
-              <a:rPr lang="en-US" sz="1100" i="1" dirty="0">
-                <a:solidFill>
-                  <a:schemeClr val="tx1"/>
-                </a:solidFill>
-              </a:rPr>
-              <a:t>echo "Commit successfully made. Notify relevant team members."</a:t>
-            </a:r>
-          </a:p>
-          <a:p>
-            <a:pPr marL="12700" lvl="0"/>
-            <a:endParaRPr lang="en-US" sz="1100" i="1" dirty="0">
-              <a:solidFill>
-                <a:schemeClr val="tx1"/>
-              </a:solidFill>
-            </a:endParaRPr>
-          </a:p>
-          <a:p>
-            <a:pPr marL="12700" lvl="0"/>
-            <a:r>
-              <a:rPr lang="en-US" sz="1100" i="1" dirty="0">
-                <a:solidFill>
-                  <a:schemeClr val="tx1"/>
-                </a:solidFill>
-              </a:rPr>
-              <a:t># Trigger an automated build or deployment process</a:t>
-            </a:r>
-          </a:p>
-          <a:p>
-            <a:pPr marL="12700" lvl="0"/>
-            <a:r>
-              <a:rPr lang="en-US" sz="1100" i="1" dirty="0">
-                <a:solidFill>
-                  <a:schemeClr val="tx1"/>
-                </a:solidFill>
-              </a:rPr>
-              <a:t># This example assumes the presence of a build script or deployment process</a:t>
-            </a:r>
-          </a:p>
-          <a:p>
-            <a:pPr marL="12700" lvl="0"/>
-            <a:r>
-              <a:rPr lang="en-US" sz="1100" i="1" dirty="0">
-                <a:solidFill>
-                  <a:schemeClr val="tx1"/>
-                </a:solidFill>
-              </a:rPr>
-              <a:t>./build_script.sh</a:t>
-            </a:r>
-          </a:p>
-          <a:p>
-            <a:pPr marL="12700" lvl="0"/>
-            <a:endParaRPr lang="en-US" sz="1100" i="1" dirty="0">
-              <a:solidFill>
-                <a:schemeClr val="tx1"/>
-              </a:solidFill>
-            </a:endParaRPr>
-          </a:p>
-          <a:p>
-            <a:pPr marL="12700" lvl="0"/>
-            <a:r>
-              <a:rPr lang="en-US" sz="1100" i="1" dirty="0">
-                <a:solidFill>
-                  <a:schemeClr val="tx1"/>
-                </a:solidFill>
-              </a:rPr>
-              <a:t># Additional actions or notifications based on your project's requirements</a:t>
-            </a:r>
-          </a:p>
-          <a:p>
-            <a:pPr marL="12700" lvl="0"/>
-            <a:endParaRPr lang="en-US" sz="1100" i="1" dirty="0">
-              <a:solidFill>
-                <a:schemeClr val="tx1"/>
-              </a:solidFill>
-            </a:endParaRPr>
-          </a:p>
-          <a:p>
-            <a:pPr marL="12700" lvl="0"/>
-            <a:r>
-              <a:rPr lang="en-US" sz="1100" i="1" dirty="0">
-                <a:solidFill>
-                  <a:schemeClr val="tx1"/>
-                </a:solidFill>
-              </a:rPr>
-              <a:t>echo "Post-commit hook executed successfully."</a:t>
-            </a:r>
-          </a:p>
-          <a:p>
-            <a:pPr marL="12700" lvl="0"/>
-            <a:r>
-              <a:rPr lang="en-US" sz="1100" i="1" dirty="0">
-                <a:solidFill>
-                  <a:schemeClr val="tx1"/>
-                </a:solidFill>
-              </a:rPr>
-              <a:t>In this example, the post-commit hook performs the following actions:</a:t>
+              <a:t># Add custom checks here</a:t>
             </a:r>
           </a:p>
           <a:p>
@@ -10079,6 +10246,390 @@
             <a:fld id="{00000000-1234-1234-1234-123412341234}" type="slidenum">
               <a:rPr lang="en-US"/>
               <a:t>14</a:t>
+            </a:fld>
+            <a:endParaRPr/>
+          </a:p>
+        </p:txBody>
+      </p:sp>
+      <p:sp>
+        <p:nvSpPr>
+          <p:cNvPr id="82" name="Google Shape;82;p2"/>
+          <p:cNvSpPr txBox="1">
+            <a:spLocks noGrp="1"/>
+          </p:cNvSpPr>
+          <p:nvPr>
+            <p:ph type="ftr" idx="11"/>
+          </p:nvPr>
+        </p:nvSpPr>
+        <p:spPr>
+          <a:xfrm>
+            <a:off x="3108960" y="4783455"/>
+            <a:ext cx="2926080" cy="257175"/>
+          </a:xfrm>
+          <a:prstGeom prst="rect">
+            <a:avLst/>
+          </a:prstGeom>
+          <a:noFill/>
+          <a:ln>
+            <a:noFill/>
+          </a:ln>
+        </p:spPr>
+        <p:txBody>
+          <a:bodyPr spcFirstLastPara="1" wrap="square" lIns="0" tIns="0" rIns="0" bIns="0" anchor="t" anchorCtr="0">
+            <a:spAutoFit/>
+          </a:bodyPr>
+          <a:lstStyle/>
+          <a:p>
+            <a:pPr marL="0" lvl="0" indent="0" algn="ctr" rtl="0">
+              <a:spcBef>
+                <a:spcPts val="0"/>
+              </a:spcBef>
+              <a:spcAft>
+                <a:spcPts val="0"/>
+              </a:spcAft>
+              <a:buNone/>
+            </a:pPr>
+            <a:r>
+              <a:rPr lang="en-US"/>
+              <a:t>Git Advanced</a:t>
+            </a:r>
+            <a:endParaRPr/>
+          </a:p>
+        </p:txBody>
+      </p:sp>
+    </p:spTree>
+    <p:extLst>
+      <p:ext uri="{BB962C8B-B14F-4D97-AF65-F5344CB8AC3E}">
+        <p14:creationId xmlns:p14="http://schemas.microsoft.com/office/powerpoint/2010/main" val="2204403616"/>
+      </p:ext>
+    </p:extLst>
+  </p:cSld>
+  <p:clrMapOvr>
+    <a:masterClrMapping/>
+  </p:clrMapOvr>
+</p:sld>
+</file>
+
+<file path=ppt/slides/slide15.xml><?xml version="1.0" encoding="utf-8"?>
+<p:sld xmlns:a="http://schemas.openxmlformats.org/drawingml/2006/main" xmlns:r="http://schemas.openxmlformats.org/officeDocument/2006/relationships" xmlns:p="http://schemas.openxmlformats.org/presentationml/2006/main">
+  <p:cSld>
+    <p:spTree>
+      <p:nvGrpSpPr>
+        <p:cNvPr id="1" name="Shape 58"/>
+        <p:cNvGrpSpPr/>
+        <p:nvPr/>
+      </p:nvGrpSpPr>
+      <p:grpSpPr>
+        <a:xfrm>
+          <a:off x="0" y="0"/>
+          <a:ext cx="0" cy="0"/>
+          <a:chOff x="0" y="0"/>
+          <a:chExt cx="0" cy="0"/>
+        </a:xfrm>
+      </p:grpSpPr>
+      <p:sp>
+        <p:nvSpPr>
+          <p:cNvPr id="59" name="Google Shape;59;p2"/>
+          <p:cNvSpPr txBox="1"/>
+          <p:nvPr/>
+        </p:nvSpPr>
+        <p:spPr>
+          <a:xfrm>
+            <a:off x="114400" y="213486"/>
+            <a:ext cx="6243473" cy="320601"/>
+          </a:xfrm>
+          <a:prstGeom prst="rect">
+            <a:avLst/>
+          </a:prstGeom>
+          <a:noFill/>
+          <a:ln>
+            <a:noFill/>
+          </a:ln>
+        </p:spPr>
+        <p:txBody>
+          <a:bodyPr spcFirstLastPara="1" wrap="square" lIns="0" tIns="12700" rIns="0" bIns="0" anchor="t" anchorCtr="0">
+            <a:spAutoFit/>
+          </a:bodyPr>
+          <a:lstStyle/>
+          <a:p>
+            <a:pPr marL="12700" lvl="0"/>
+            <a:r>
+              <a:rPr lang="en-US" sz="2000" dirty="0">
+                <a:solidFill>
+                  <a:schemeClr val="bg1"/>
+                </a:solidFill>
+              </a:rPr>
+              <a:t>Git Hooks – Post Commit</a:t>
+            </a:r>
+          </a:p>
+        </p:txBody>
+      </p:sp>
+      <p:sp>
+        <p:nvSpPr>
+          <p:cNvPr id="80" name="Google Shape;80;p2"/>
+          <p:cNvSpPr txBox="1"/>
+          <p:nvPr/>
+        </p:nvSpPr>
+        <p:spPr>
+          <a:xfrm>
+            <a:off x="277968" y="807920"/>
+            <a:ext cx="7822540" cy="4121641"/>
+          </a:xfrm>
+          <a:prstGeom prst="rect">
+            <a:avLst/>
+          </a:prstGeom>
+          <a:noFill/>
+          <a:ln>
+            <a:noFill/>
+          </a:ln>
+        </p:spPr>
+        <p:txBody>
+          <a:bodyPr spcFirstLastPara="1" wrap="square" lIns="0" tIns="12700" rIns="0" bIns="0" anchor="t" anchorCtr="0">
+            <a:spAutoFit/>
+          </a:bodyPr>
+          <a:lstStyle/>
+          <a:p>
+            <a:pPr marL="12700" lvl="0"/>
+            <a:r>
+              <a:rPr lang="en-US" sz="1600" dirty="0">
+                <a:solidFill>
+                  <a:schemeClr val="tx1"/>
+                </a:solidFill>
+              </a:rPr>
+              <a:t>A post-commit hook is a custom script that runs automatically after a commit has been made in a Git repository. It can be used to perform additional actions or tasks based on the successful completion of a commit. Here's an example of a post-commit hook:</a:t>
+            </a:r>
+          </a:p>
+          <a:p>
+            <a:pPr marL="12700" lvl="0"/>
+            <a:endParaRPr lang="en-US" sz="1600" dirty="0">
+              <a:solidFill>
+                <a:schemeClr val="tx1"/>
+              </a:solidFill>
+            </a:endParaRPr>
+          </a:p>
+          <a:p>
+            <a:pPr marL="12700" lvl="0"/>
+            <a:r>
+              <a:rPr lang="en-US" sz="1100" i="1" dirty="0">
+                <a:solidFill>
+                  <a:schemeClr val="tx1"/>
+                </a:solidFill>
+              </a:rPr>
+              <a:t>#!/bin/bash</a:t>
+            </a:r>
+          </a:p>
+          <a:p>
+            <a:pPr marL="12700" lvl="0"/>
+            <a:r>
+              <a:rPr lang="en-US" sz="1100" i="1" dirty="0">
+                <a:solidFill>
+                  <a:schemeClr val="tx1"/>
+                </a:solidFill>
+              </a:rPr>
+              <a:t># post-commit hook example</a:t>
+            </a:r>
+          </a:p>
+          <a:p>
+            <a:pPr marL="12700" lvl="0"/>
+            <a:endParaRPr lang="en-US" sz="1100" i="1" dirty="0">
+              <a:solidFill>
+                <a:schemeClr val="tx1"/>
+              </a:solidFill>
+            </a:endParaRPr>
+          </a:p>
+          <a:p>
+            <a:pPr marL="12700" lvl="0"/>
+            <a:r>
+              <a:rPr lang="en-US" sz="1100" i="1" dirty="0">
+                <a:solidFill>
+                  <a:schemeClr val="tx1"/>
+                </a:solidFill>
+              </a:rPr>
+              <a:t>echo "Executing post-commit hook..."</a:t>
+            </a:r>
+          </a:p>
+          <a:p>
+            <a:pPr marL="12700" lvl="0"/>
+            <a:endParaRPr lang="en-US" sz="1100" i="1" dirty="0">
+              <a:solidFill>
+                <a:schemeClr val="tx1"/>
+              </a:solidFill>
+            </a:endParaRPr>
+          </a:p>
+          <a:p>
+            <a:pPr marL="12700" lvl="0"/>
+            <a:r>
+              <a:rPr lang="en-US" sz="1100" i="1" dirty="0">
+                <a:solidFill>
+                  <a:schemeClr val="tx1"/>
+                </a:solidFill>
+              </a:rPr>
+              <a:t># Notify developers or team members about the commit</a:t>
+            </a:r>
+          </a:p>
+          <a:p>
+            <a:pPr marL="12700" lvl="0"/>
+            <a:r>
+              <a:rPr lang="en-US" sz="1100" i="1" dirty="0">
+                <a:solidFill>
+                  <a:schemeClr val="tx1"/>
+                </a:solidFill>
+              </a:rPr>
+              <a:t># This could be done via email, messaging, or any other communication method</a:t>
+            </a:r>
+          </a:p>
+          <a:p>
+            <a:pPr marL="12700" lvl="0"/>
+            <a:r>
+              <a:rPr lang="en-US" sz="1100" i="1" dirty="0">
+                <a:solidFill>
+                  <a:schemeClr val="tx1"/>
+                </a:solidFill>
+              </a:rPr>
+              <a:t>echo "Commit successfully made. Notify relevant team members."</a:t>
+            </a:r>
+          </a:p>
+          <a:p>
+            <a:pPr marL="12700" lvl="0"/>
+            <a:endParaRPr lang="en-US" sz="1100" i="1" dirty="0">
+              <a:solidFill>
+                <a:schemeClr val="tx1"/>
+              </a:solidFill>
+            </a:endParaRPr>
+          </a:p>
+          <a:p>
+            <a:pPr marL="12700" lvl="0"/>
+            <a:r>
+              <a:rPr lang="en-US" sz="1100" i="1" dirty="0">
+                <a:solidFill>
+                  <a:schemeClr val="tx1"/>
+                </a:solidFill>
+              </a:rPr>
+              <a:t># Trigger an automated build or deployment process</a:t>
+            </a:r>
+          </a:p>
+          <a:p>
+            <a:pPr marL="12700" lvl="0"/>
+            <a:r>
+              <a:rPr lang="en-US" sz="1100" i="1" dirty="0">
+                <a:solidFill>
+                  <a:schemeClr val="tx1"/>
+                </a:solidFill>
+              </a:rPr>
+              <a:t># This example assumes the presence of a build script or deployment process</a:t>
+            </a:r>
+          </a:p>
+          <a:p>
+            <a:pPr marL="12700" lvl="0"/>
+            <a:r>
+              <a:rPr lang="en-US" sz="1100" i="1" dirty="0">
+                <a:solidFill>
+                  <a:schemeClr val="tx1"/>
+                </a:solidFill>
+              </a:rPr>
+              <a:t>./build_script.sh</a:t>
+            </a:r>
+          </a:p>
+          <a:p>
+            <a:pPr marL="12700" lvl="0"/>
+            <a:endParaRPr lang="en-US" sz="1100" i="1" dirty="0">
+              <a:solidFill>
+                <a:schemeClr val="tx1"/>
+              </a:solidFill>
+            </a:endParaRPr>
+          </a:p>
+          <a:p>
+            <a:pPr marL="12700" lvl="0"/>
+            <a:r>
+              <a:rPr lang="en-US" sz="1100" i="1" dirty="0">
+                <a:solidFill>
+                  <a:schemeClr val="tx1"/>
+                </a:solidFill>
+              </a:rPr>
+              <a:t># Additional actions or notifications based on your project's requirements</a:t>
+            </a:r>
+          </a:p>
+          <a:p>
+            <a:pPr marL="12700" lvl="0"/>
+            <a:endParaRPr lang="en-US" sz="1100" i="1" dirty="0">
+              <a:solidFill>
+                <a:schemeClr val="tx1"/>
+              </a:solidFill>
+            </a:endParaRPr>
+          </a:p>
+          <a:p>
+            <a:pPr marL="12700" lvl="0"/>
+            <a:r>
+              <a:rPr lang="en-US" sz="1100" i="1" dirty="0">
+                <a:solidFill>
+                  <a:schemeClr val="tx1"/>
+                </a:solidFill>
+              </a:rPr>
+              <a:t>echo "Post-commit hook executed successfully."</a:t>
+            </a:r>
+          </a:p>
+          <a:p>
+            <a:pPr marL="12700" lvl="0"/>
+            <a:r>
+              <a:rPr lang="en-US" sz="1100" i="1" dirty="0">
+                <a:solidFill>
+                  <a:schemeClr val="tx1"/>
+                </a:solidFill>
+              </a:rPr>
+              <a:t>In this example, the post-commit hook performs the following actions:</a:t>
+            </a:r>
+          </a:p>
+          <a:p>
+            <a:pPr marL="12700" lvl="0"/>
+            <a:endParaRPr lang="en-US" sz="1600" dirty="0">
+              <a:solidFill>
+                <a:schemeClr val="tx1"/>
+              </a:solidFill>
+            </a:endParaRPr>
+          </a:p>
+        </p:txBody>
+      </p:sp>
+      <p:sp>
+        <p:nvSpPr>
+          <p:cNvPr id="81" name="Google Shape;81;p2"/>
+          <p:cNvSpPr txBox="1">
+            <a:spLocks noGrp="1"/>
+          </p:cNvSpPr>
+          <p:nvPr>
+            <p:ph type="sldNum" idx="12"/>
+          </p:nvPr>
+        </p:nvSpPr>
+        <p:spPr>
+          <a:xfrm>
+            <a:off x="6583680" y="4783455"/>
+            <a:ext cx="2103120" cy="257175"/>
+          </a:xfrm>
+          <a:prstGeom prst="rect">
+            <a:avLst/>
+          </a:prstGeom>
+          <a:noFill/>
+          <a:ln>
+            <a:noFill/>
+          </a:ln>
+        </p:spPr>
+        <p:txBody>
+          <a:bodyPr spcFirstLastPara="1" wrap="square" lIns="0" tIns="0" rIns="0" bIns="0" anchor="t" anchorCtr="0">
+            <a:spAutoFit/>
+          </a:bodyPr>
+          <a:lstStyle/>
+          <a:p>
+            <a:pPr marL="0" lvl="0" indent="0" algn="r" rtl="0">
+              <a:spcBef>
+                <a:spcPts val="0"/>
+              </a:spcBef>
+              <a:spcAft>
+                <a:spcPts val="0"/>
+              </a:spcAft>
+              <a:buNone/>
+            </a:pPr>
+            <a:fld id="{00000000-1234-1234-1234-123412341234}" type="slidenum">
+              <a:rPr lang="en-US"/>
+              <a:t>15</a:t>
             </a:fld>
             <a:endParaRPr/>
           </a:p>
@@ -10143,7 +10694,7 @@
 </p:sld>
 </file>
 
-<file path=ppt/slides/slide15.xml><?xml version="1.0" encoding="utf-8"?>
+<file path=ppt/slides/slide16.xml><?xml version="1.0" encoding="utf-8"?>
 <p:sld xmlns:a="http://schemas.openxmlformats.org/drawingml/2006/main" xmlns:r="http://schemas.openxmlformats.org/officeDocument/2006/relationships" xmlns:p="http://schemas.openxmlformats.org/presentationml/2006/main">
   <p:cSld>
     <p:spTree>
@@ -10192,7 +10743,7 @@
                   <a:schemeClr val="bg1"/>
                 </a:solidFill>
               </a:rPr>
-              <a:t>Lab4</a:t>
+              <a:t>Labs – git tagging</a:t>
             </a:r>
           </a:p>
         </p:txBody>
@@ -10225,54 +10776,67 @@
           <a:p>
             <a:pPr algn="l"/>
             <a:r>
-              <a:rPr lang="en-US" sz="2400" b="1" dirty="0"/>
-              <a:t>Lab 4: Remote Repositories</a:t>
-            </a:r>
-          </a:p>
-          <a:p>
-            <a:pPr algn="l"/>
-            <a:r>
-              <a:rPr lang="en-US" sz="2400" b="1" dirty="0"/>
-              <a:t>Objective:</a:t>
-            </a:r>
-            <a:r>
-              <a:rPr lang="en-US" sz="2400" dirty="0"/>
-              <a:t> Work with remote repositories.</a:t>
-            </a:r>
-          </a:p>
-        </p:txBody>
-      </p:sp>
-      <p:sp>
-        <p:nvSpPr>
-          <p:cNvPr id="2" name="Rectangle 1"/>
-          <p:cNvSpPr/>
-          <p:nvPr/>
-        </p:nvSpPr>
-        <p:spPr>
-          <a:xfrm>
-            <a:off x="1948980" y="2272182"/>
-            <a:ext cx="5210773" cy="923330"/>
-          </a:xfrm>
-          <a:prstGeom prst="rect">
-            <a:avLst/>
-          </a:prstGeom>
-        </p:spPr>
-        <p:txBody>
-          <a:bodyPr wrap="square">
-            <a:spAutoFit/>
-          </a:bodyPr>
-          <a:lstStyle/>
-          <a:p>
-            <a:r>
-              <a:rPr lang="en-US" sz="1800" dirty="0">
-                <a:hlinkClick r:id="rId3"/>
-              </a:rPr>
-              <a:t>https://github.com/yashkumar0042/python/blob/master/git/labs/lab4.md</a:t>
-            </a:r>
-            <a:endParaRPr lang="en-US" sz="1800" dirty="0"/>
-          </a:p>
-          <a:p>
-            <a:endParaRPr lang="en-US" sz="1800" dirty="0"/>
+              <a:rPr lang="en-US" sz="1200" b="1" dirty="0"/>
+              <a:t>Lab 1: </a:t>
+            </a:r>
+          </a:p>
+          <a:p>
+            <a:pPr marL="228600" indent="-228600" algn="l">
+              <a:buFont typeface="+mj-lt"/>
+              <a:buAutoNum type="arabicPeriod"/>
+            </a:pPr>
+            <a:r>
+              <a:rPr lang="en-US" sz="1200" dirty="0"/>
+              <a:t>Create a Git repository named "</a:t>
+            </a:r>
+            <a:r>
+              <a:rPr lang="en-US" sz="1200" dirty="0" err="1"/>
+              <a:t>LabRepo</a:t>
+            </a:r>
+            <a:r>
+              <a:rPr lang="en-US" sz="1200" dirty="0"/>
+              <a:t>."</a:t>
+            </a:r>
+          </a:p>
+          <a:p>
+            <a:pPr marL="228600" indent="-228600" algn="l">
+              <a:buFont typeface="+mj-lt"/>
+              <a:buAutoNum type="arabicPeriod"/>
+            </a:pPr>
+            <a:r>
+              <a:rPr lang="en-US" sz="1200" dirty="0"/>
+              <a:t>Initialize the repository with some files and make a few commits.</a:t>
+            </a:r>
+          </a:p>
+          <a:p>
+            <a:pPr marL="228600" indent="-228600" algn="l">
+              <a:buFont typeface="+mj-lt"/>
+              <a:buAutoNum type="arabicPeriod"/>
+            </a:pPr>
+            <a:r>
+              <a:rPr lang="en-US" sz="1200" dirty="0"/>
+              <a:t>Create a lightweight tag called "v1.0" on the latest commit.</a:t>
+            </a:r>
+          </a:p>
+          <a:p>
+            <a:pPr marL="228600" indent="-228600" algn="l">
+              <a:buFont typeface="+mj-lt"/>
+              <a:buAutoNum type="arabicPeriod"/>
+            </a:pPr>
+            <a:r>
+              <a:rPr lang="en-US" sz="1200" dirty="0"/>
+              <a:t>Create an annotated tag called "release-v1.1" with a brief description.</a:t>
+            </a:r>
+          </a:p>
+          <a:p>
+            <a:pPr marL="228600" indent="-228600" algn="l">
+              <a:buFont typeface="+mj-lt"/>
+              <a:buAutoNum type="arabicPeriod"/>
+            </a:pPr>
+            <a:r>
+              <a:rPr lang="en-US" sz="1200" dirty="0"/>
+              <a:t>List all tags in the repository.</a:t>
+            </a:r>
           </a:p>
         </p:txBody>
       </p:sp>
@@ -10301,7 +10865,7 @@
 </p:sld>
 </file>
 
-<file path=ppt/slides/slide16.xml><?xml version="1.0" encoding="utf-8"?>
+<file path=ppt/slides/slide17.xml><?xml version="1.0" encoding="utf-8"?>
 <p:sld xmlns:a="http://schemas.openxmlformats.org/drawingml/2006/main" xmlns:r="http://schemas.openxmlformats.org/officeDocument/2006/relationships" xmlns:p="http://schemas.openxmlformats.org/presentationml/2006/main">
   <p:cSld>
     <p:spTree>
@@ -10350,7 +10914,7 @@
                   <a:schemeClr val="bg1"/>
                 </a:solidFill>
               </a:rPr>
-              <a:t>Lab4</a:t>
+              <a:t>Labs- git alias</a:t>
             </a:r>
           </a:p>
         </p:txBody>
@@ -10383,61 +10947,57 @@
           <a:p>
             <a:pPr algn="l"/>
             <a:r>
-              <a:rPr lang="en-US" sz="2400" b="1" dirty="0"/>
-              <a:t>Lab 4: Remote Repositories</a:t>
-            </a:r>
-          </a:p>
-          <a:p>
-            <a:pPr algn="l"/>
-            <a:r>
-              <a:rPr lang="en-US" sz="2400" b="1" dirty="0"/>
-              <a:t>Objective:</a:t>
-            </a:r>
-            <a:r>
-              <a:rPr lang="en-US" sz="2400" dirty="0"/>
-              <a:t> Work with remote repositories.</a:t>
-            </a:r>
-          </a:p>
-        </p:txBody>
-      </p:sp>
-      <p:sp>
-        <p:nvSpPr>
-          <p:cNvPr id="2" name="Rectangle 1"/>
-          <p:cNvSpPr/>
-          <p:nvPr/>
-        </p:nvSpPr>
-        <p:spPr>
-          <a:xfrm>
-            <a:off x="1948980" y="2272182"/>
-            <a:ext cx="5210773" cy="923330"/>
-          </a:xfrm>
-          <a:prstGeom prst="rect">
-            <a:avLst/>
-          </a:prstGeom>
-        </p:spPr>
-        <p:txBody>
-          <a:bodyPr wrap="square">
-            <a:spAutoFit/>
-          </a:bodyPr>
-          <a:lstStyle/>
-          <a:p>
-            <a:r>
-              <a:rPr lang="en-US" sz="1800" dirty="0">
-                <a:hlinkClick r:id="rId3"/>
-              </a:rPr>
-              <a:t>https://github.com/yashkumar0042/python/blob/master/git/labs/lab4.md</a:t>
-            </a:r>
-            <a:endParaRPr lang="en-US" sz="1800" dirty="0"/>
-          </a:p>
-          <a:p>
-            <a:endParaRPr lang="en-US" sz="1800" dirty="0"/>
+              <a:rPr lang="en-US" sz="1200" b="1" dirty="0"/>
+              <a:t>Lab 2: </a:t>
+            </a:r>
+            <a:endParaRPr lang="en-US" sz="1200" dirty="0"/>
+          </a:p>
+          <a:p>
+            <a:pPr marL="228600" indent="-228600" algn="l">
+              <a:buFont typeface="+mj-lt"/>
+              <a:buAutoNum type="arabicPeriod"/>
+            </a:pPr>
+            <a:r>
+              <a:rPr lang="en-US" sz="1200" dirty="0"/>
+              <a:t>Configure a Git alias named "l" that prints a concise log of the commit history.</a:t>
+            </a:r>
+          </a:p>
+          <a:p>
+            <a:pPr marL="228600" indent="-228600" algn="l">
+              <a:buFont typeface="+mj-lt"/>
+              <a:buAutoNum type="arabicPeriod"/>
+            </a:pPr>
+            <a:r>
+              <a:rPr lang="en-US" sz="1200" dirty="0"/>
+              <a:t>Test the alias by running git l in your repository.</a:t>
+            </a:r>
+          </a:p>
+          <a:p>
+            <a:pPr marL="228600" indent="-228600" algn="l">
+              <a:buFont typeface="+mj-lt"/>
+              <a:buAutoNum type="arabicPeriod"/>
+            </a:pPr>
+            <a:r>
+              <a:rPr lang="en-US" sz="1200" dirty="0"/>
+              <a:t>Create an alias "s" for "status" and an alias "b" for "branch."</a:t>
+            </a:r>
+          </a:p>
+          <a:p>
+            <a:pPr marL="228600" indent="-228600" algn="l">
+              <a:buFont typeface="+mj-lt"/>
+              <a:buAutoNum type="arabicPeriod"/>
+            </a:pPr>
+            <a:r>
+              <a:rPr lang="en-US" sz="1200" dirty="0"/>
+              <a:t>Verify that the aliases work as expected.</a:t>
+            </a:r>
           </a:p>
         </p:txBody>
       </p:sp>
     </p:spTree>
     <p:extLst>
       <p:ext uri="{BB962C8B-B14F-4D97-AF65-F5344CB8AC3E}">
-        <p14:creationId xmlns:p14="http://schemas.microsoft.com/office/powerpoint/2010/main" val="4162710496"/>
+        <p14:creationId xmlns:p14="http://schemas.microsoft.com/office/powerpoint/2010/main" val="4235258963"/>
       </p:ext>
     </p:extLst>
   </p:cSld>
@@ -10459,12 +11019,12 @@
 </p:sld>
 </file>
 
-<file path=ppt/slides/slide17.xml><?xml version="1.0" encoding="utf-8"?>
-<p:sld xmlns:a="http://schemas.openxmlformats.org/drawingml/2006/main" xmlns:r="http://schemas.openxmlformats.org/officeDocument/2006/relationships" xmlns:p="http://schemas.openxmlformats.org/presentationml/2006/main" showMasterSp="0">
+<file path=ppt/slides/slide18.xml><?xml version="1.0" encoding="utf-8"?>
+<p:sld xmlns:a="http://schemas.openxmlformats.org/drawingml/2006/main" xmlns:r="http://schemas.openxmlformats.org/officeDocument/2006/relationships" xmlns:p="http://schemas.openxmlformats.org/presentationml/2006/main">
   <p:cSld>
     <p:spTree>
       <p:nvGrpSpPr>
-        <p:cNvPr id="1" name="Shape 942"/>
+        <p:cNvPr id="1" name=""/>
         <p:cNvGrpSpPr/>
         <p:nvPr/>
       </p:nvGrpSpPr>
@@ -10478,61 +11038,14 @@
       </p:grpSpPr>
       <p:sp>
         <p:nvSpPr>
-          <p:cNvPr id="944" name="Google Shape;944;p61"/>
-          <p:cNvSpPr/>
-          <p:nvPr/>
-        </p:nvSpPr>
-        <p:spPr>
-          <a:xfrm>
-            <a:off x="0" y="0"/>
-            <a:ext cx="9143936" cy="5143499"/>
-          </a:xfrm>
-          <a:prstGeom prst="rect">
-            <a:avLst/>
-          </a:prstGeom>
-          <a:blipFill rotWithShape="1">
-            <a:blip r:embed="rId3">
-              <a:alphaModFix/>
-            </a:blip>
-            <a:stretch>
-              <a:fillRect/>
-            </a:stretch>
-          </a:blipFill>
-          <a:ln>
-            <a:noFill/>
-          </a:ln>
-        </p:spPr>
-        <p:txBody>
-          <a:bodyPr spcFirstLastPara="1" wrap="square" lIns="0" tIns="0" rIns="0" bIns="0" anchor="t" anchorCtr="0">
-            <a:noAutofit/>
-          </a:bodyPr>
-          <a:lstStyle/>
-          <a:p>
-            <a:pPr marL="0" marR="0" lvl="0" indent="0" algn="l" rtl="0">
-              <a:spcBef>
-                <a:spcPts val="0"/>
-              </a:spcBef>
-              <a:spcAft>
-                <a:spcPts val="0"/>
-              </a:spcAft>
-              <a:buNone/>
-            </a:pPr>
-            <a:endParaRPr sz="1800">
-              <a:solidFill>
-                <a:schemeClr val="dk1"/>
-              </a:solidFill>
-              <a:latin typeface="Calibri"/>
-              <a:ea typeface="Calibri"/>
-              <a:cs typeface="Calibri"/>
-              <a:sym typeface="Calibri"/>
-            </a:endParaRPr>
-          </a:p>
-        </p:txBody>
-      </p:sp>
-      <p:sp>
-        <p:nvSpPr>
-          <p:cNvPr id="946" name="Google Shape;946;p61"/>
-          <p:cNvSpPr txBox="1">
+          <p:cNvPr id="4" name="Title 3">
+            <a:extLst>
+              <a:ext uri="{FF2B5EF4-FFF2-40B4-BE49-F238E27FC236}">
+                <a16:creationId xmlns:a16="http://schemas.microsoft.com/office/drawing/2014/main" id="{068DF32A-D165-40DA-AAE8-A6E9579E2F79}"/>
+              </a:ext>
+            </a:extLst>
+          </p:cNvPr>
+          <p:cNvSpPr>
             <a:spLocks noGrp="1"/>
           </p:cNvSpPr>
           <p:nvPr>
@@ -10541,140 +11054,251 @@
         </p:nvSpPr>
         <p:spPr>
           <a:xfrm>
-            <a:off x="565936" y="1851228"/>
-            <a:ext cx="3210967" cy="574040"/>
-          </a:xfrm>
-          <a:prstGeom prst="rect">
-            <a:avLst/>
-          </a:prstGeom>
-          <a:noFill/>
-          <a:ln>
-            <a:noFill/>
-          </a:ln>
+            <a:off x="942472" y="108156"/>
+            <a:ext cx="6856048" cy="461665"/>
+          </a:xfrm>
         </p:spPr>
         <p:txBody>
-          <a:bodyPr spcFirstLastPara="1" wrap="square" lIns="0" tIns="12700" rIns="0" bIns="0" anchor="t" anchorCtr="0">
-            <a:spAutoFit/>
-          </a:bodyPr>
+          <a:bodyPr/>
           <a:lstStyle/>
           <a:p>
-            <a:pPr marL="12700" lvl="0" indent="0" algn="l" rtl="0">
-              <a:lnSpc>
-                <a:spcPct val="100000"/>
-              </a:lnSpc>
-              <a:spcBef>
-                <a:spcPts val="0"/>
-              </a:spcBef>
-              <a:spcAft>
-                <a:spcPts val="0"/>
-              </a:spcAft>
-              <a:buNone/>
-            </a:pPr>
-            <a:r>
-              <a:rPr lang="en-US"/>
-              <a:t>THANK YOU</a:t>
-            </a:r>
-            <a:endParaRPr/>
+            <a:r>
+              <a:rPr lang="en-US" dirty="0">
+                <a:solidFill>
+                  <a:schemeClr val="bg1"/>
+                </a:solidFill>
+              </a:rPr>
+              <a:t>Labs – git rebase</a:t>
+            </a:r>
           </a:p>
         </p:txBody>
       </p:sp>
       <p:sp>
         <p:nvSpPr>
-          <p:cNvPr id="948" name="Google Shape;948;p61"/>
-          <p:cNvSpPr txBox="1">
+          <p:cNvPr id="7" name="Text Placeholder 6">
+            <a:extLst>
+              <a:ext uri="{FF2B5EF4-FFF2-40B4-BE49-F238E27FC236}">
+                <a16:creationId xmlns:a16="http://schemas.microsoft.com/office/drawing/2014/main" id="{C3BC92DE-1779-4A44-AED9-0261C2497DD9}"/>
+              </a:ext>
+            </a:extLst>
+          </p:cNvPr>
+          <p:cNvSpPr>
             <a:spLocks noGrp="1"/>
           </p:cNvSpPr>
           <p:nvPr>
-            <p:ph type="sldNum" idx="12"/>
+            <p:ph type="body" sz="quarter" idx="12"/>
           </p:nvPr>
         </p:nvSpPr>
         <p:spPr>
           <a:xfrm>
-            <a:off x="6583680" y="4783455"/>
-            <a:ext cx="2103120" cy="257175"/>
-          </a:xfrm>
-          <a:prstGeom prst="rect">
-            <a:avLst/>
-          </a:prstGeom>
-          <a:noFill/>
-          <a:ln>
-            <a:noFill/>
-          </a:ln>
+            <a:off x="1948980" y="943637"/>
+            <a:ext cx="5849540" cy="1151068"/>
+          </a:xfrm>
         </p:spPr>
         <p:txBody>
-          <a:bodyPr spcFirstLastPara="1" wrap="square" lIns="0" tIns="0" rIns="0" bIns="0" anchor="t" anchorCtr="0">
-            <a:spAutoFit/>
-          </a:bodyPr>
+          <a:bodyPr/>
           <a:lstStyle/>
           <a:p>
-            <a:pPr marL="0" lvl="0" indent="0" algn="r" rtl="0">
-              <a:spcBef>
-                <a:spcPts val="0"/>
-              </a:spcBef>
-              <a:spcAft>
-                <a:spcPts val="0"/>
-              </a:spcAft>
-              <a:buNone/>
+            <a:pPr algn="l"/>
+            <a:r>
+              <a:rPr lang="en-US" sz="1200" b="1" dirty="0"/>
+              <a:t>Lab 1: </a:t>
+            </a:r>
+          </a:p>
+          <a:p>
+            <a:pPr marL="228600" indent="-228600" algn="l">
+              <a:buFont typeface="+mj-lt"/>
+              <a:buAutoNum type="arabicPeriod"/>
             </a:pPr>
-            <a:fld id="{00000000-1234-1234-1234-123412341234}" type="slidenum">
-              <a:rPr lang="en-US"/>
-              <a:t>17</a:t>
-            </a:fld>
-            <a:endParaRPr/>
+            <a:r>
+              <a:rPr lang="en-US" sz="1200" dirty="0"/>
+              <a:t>Create a Git repository with two branches, "feature" and "main."</a:t>
+            </a:r>
+          </a:p>
+          <a:p>
+            <a:pPr marL="228600" indent="-228600" algn="l">
+              <a:buFont typeface="+mj-lt"/>
+              <a:buAutoNum type="arabicPeriod"/>
+            </a:pPr>
+            <a:r>
+              <a:rPr lang="en-US" sz="1200" dirty="0"/>
+              <a:t>Make changes in both branches, commit them, and ensure there are conflicts.</a:t>
+            </a:r>
+          </a:p>
+          <a:p>
+            <a:pPr marL="228600" indent="-228600" algn="l">
+              <a:buFont typeface="+mj-lt"/>
+              <a:buAutoNum type="arabicPeriod"/>
+            </a:pPr>
+            <a:r>
+              <a:rPr lang="en-US" sz="1200" dirty="0"/>
+              <a:t>Use git rebase to reapply the "feature" branch changes onto "main."</a:t>
+            </a:r>
+          </a:p>
+          <a:p>
+            <a:pPr marL="228600" indent="-228600" algn="l">
+              <a:buFont typeface="+mj-lt"/>
+              <a:buAutoNum type="arabicPeriod"/>
+            </a:pPr>
+            <a:r>
+              <a:rPr lang="en-US" sz="1200" dirty="0"/>
+              <a:t>Resolve any conflicts during the rebase.</a:t>
+            </a:r>
+          </a:p>
+          <a:p>
+            <a:pPr marL="228600" indent="-228600" algn="l">
+              <a:buFont typeface="+mj-lt"/>
+              <a:buAutoNum type="arabicPeriod"/>
+            </a:pPr>
+            <a:r>
+              <a:rPr lang="en-US" sz="1200" dirty="0"/>
+              <a:t>Verify that the commit history is now a linear progression on the "main" branch.</a:t>
+            </a:r>
           </a:p>
         </p:txBody>
       </p:sp>
-      <p:sp>
-        <p:nvSpPr>
-          <p:cNvPr id="949" name="Google Shape;949;p61"/>
-          <p:cNvSpPr txBox="1">
-            <a:spLocks noGrp="1"/>
-          </p:cNvSpPr>
-          <p:nvPr>
-            <p:ph type="ftr" idx="11"/>
-          </p:nvPr>
-        </p:nvSpPr>
-        <p:spPr>
-          <a:xfrm>
-            <a:off x="1515960" y="4821918"/>
-            <a:ext cx="2926200" cy="277200"/>
-          </a:xfrm>
-          <a:prstGeom prst="rect">
-            <a:avLst/>
-          </a:prstGeom>
-          <a:noFill/>
-          <a:ln>
-            <a:noFill/>
-          </a:ln>
-        </p:spPr>
-        <p:txBody>
-          <a:bodyPr spcFirstLastPara="1" wrap="square" lIns="0" tIns="0" rIns="0" bIns="0" anchor="t" anchorCtr="0">
-            <a:spAutoFit/>
-          </a:bodyPr>
-          <a:lstStyle/>
-          <a:p>
-            <a:pPr marL="0" lvl="0" indent="0" algn="ctr" rtl="0">
-              <a:spcBef>
-                <a:spcPts val="0"/>
-              </a:spcBef>
-              <a:spcAft>
-                <a:spcPts val="0"/>
-              </a:spcAft>
-              <a:buNone/>
-            </a:pPr>
-            <a:r>
-              <a:rPr lang="en-US"/>
-              <a:t>Git Advanced</a:t>
-            </a:r>
-            <a:endParaRPr/>
-          </a:p>
-        </p:txBody>
-      </p:sp>
     </p:spTree>
+    <p:extLst>
+      <p:ext uri="{BB962C8B-B14F-4D97-AF65-F5344CB8AC3E}">
+        <p14:creationId xmlns:p14="http://schemas.microsoft.com/office/powerpoint/2010/main" val="2570274760"/>
+      </p:ext>
+    </p:extLst>
   </p:cSld>
   <p:clrMapOvr>
     <a:masterClrMapping/>
   </p:clrMapOvr>
+  <mc:AlternateContent xmlns:mc="http://schemas.openxmlformats.org/markup-compatibility/2006" xmlns:p14="http://schemas.microsoft.com/office/powerpoint/2010/main">
+    <mc:Choice Requires="p14">
+      <p:transition spd="med" p14:dur="700">
+        <p:fade/>
+      </p:transition>
+    </mc:Choice>
+    <mc:Fallback xmlns="">
+      <p:transition spd="med">
+        <p:fade/>
+      </p:transition>
+    </mc:Fallback>
+  </mc:AlternateContent>
+</p:sld>
+</file>
+
+<file path=ppt/slides/slide19.xml><?xml version="1.0" encoding="utf-8"?>
+<p:sld xmlns:a="http://schemas.openxmlformats.org/drawingml/2006/main" xmlns:r="http://schemas.openxmlformats.org/officeDocument/2006/relationships" xmlns:p="http://schemas.openxmlformats.org/presentationml/2006/main">
+  <p:cSld>
+    <p:spTree>
+      <p:nvGrpSpPr>
+        <p:cNvPr id="1" name=""/>
+        <p:cNvGrpSpPr/>
+        <p:nvPr/>
+      </p:nvGrpSpPr>
+      <p:grpSpPr>
+        <a:xfrm>
+          <a:off x="0" y="0"/>
+          <a:ext cx="0" cy="0"/>
+          <a:chOff x="0" y="0"/>
+          <a:chExt cx="0" cy="0"/>
+        </a:xfrm>
+      </p:grpSpPr>
+      <p:sp>
+        <p:nvSpPr>
+          <p:cNvPr id="4" name="Title 3">
+            <a:extLst>
+              <a:ext uri="{FF2B5EF4-FFF2-40B4-BE49-F238E27FC236}">
+                <a16:creationId xmlns:a16="http://schemas.microsoft.com/office/drawing/2014/main" id="{068DF32A-D165-40DA-AAE8-A6E9579E2F79}"/>
+              </a:ext>
+            </a:extLst>
+          </p:cNvPr>
+          <p:cNvSpPr>
+            <a:spLocks noGrp="1"/>
+          </p:cNvSpPr>
+          <p:nvPr>
+            <p:ph type="title"/>
+          </p:nvPr>
+        </p:nvSpPr>
+        <p:spPr>
+          <a:xfrm>
+            <a:off x="942472" y="108156"/>
+            <a:ext cx="6856048" cy="461665"/>
+          </a:xfrm>
+        </p:spPr>
+        <p:txBody>
+          <a:bodyPr/>
+          <a:lstStyle/>
+          <a:p>
+            <a:r>
+              <a:rPr lang="en-US" dirty="0">
+                <a:solidFill>
+                  <a:schemeClr val="bg1"/>
+                </a:solidFill>
+              </a:rPr>
+              <a:t>Labs – Answers</a:t>
+            </a:r>
+          </a:p>
+        </p:txBody>
+      </p:sp>
+      <p:sp>
+        <p:nvSpPr>
+          <p:cNvPr id="7" name="Text Placeholder 6">
+            <a:extLst>
+              <a:ext uri="{FF2B5EF4-FFF2-40B4-BE49-F238E27FC236}">
+                <a16:creationId xmlns:a16="http://schemas.microsoft.com/office/drawing/2014/main" id="{C3BC92DE-1779-4A44-AED9-0261C2497DD9}"/>
+              </a:ext>
+            </a:extLst>
+          </p:cNvPr>
+          <p:cNvSpPr>
+            <a:spLocks noGrp="1"/>
+          </p:cNvSpPr>
+          <p:nvPr>
+            <p:ph type="body" sz="quarter" idx="12"/>
+          </p:nvPr>
+        </p:nvSpPr>
+        <p:spPr>
+          <a:xfrm>
+            <a:off x="1948980" y="943637"/>
+            <a:ext cx="5849540" cy="1151068"/>
+          </a:xfrm>
+        </p:spPr>
+        <p:txBody>
+          <a:bodyPr/>
+          <a:lstStyle/>
+          <a:p>
+            <a:pPr algn="l"/>
+            <a:r>
+              <a:rPr lang="en-US" sz="1200" dirty="0">
+                <a:hlinkClick r:id="rId3"/>
+              </a:rPr>
+              <a:t>https://github.com/yashkumar0042/python/blob/master/git/lab-tag-alias-rebase.md</a:t>
+            </a:r>
+            <a:endParaRPr lang="en-US" sz="1200" dirty="0"/>
+          </a:p>
+          <a:p>
+            <a:pPr algn="l"/>
+            <a:endParaRPr lang="en-US" sz="1200" dirty="0"/>
+          </a:p>
+        </p:txBody>
+      </p:sp>
+    </p:spTree>
+    <p:extLst>
+      <p:ext uri="{BB962C8B-B14F-4D97-AF65-F5344CB8AC3E}">
+        <p14:creationId xmlns:p14="http://schemas.microsoft.com/office/powerpoint/2010/main" val="81786630"/>
+      </p:ext>
+    </p:extLst>
+  </p:cSld>
+  <p:clrMapOvr>
+    <a:masterClrMapping/>
+  </p:clrMapOvr>
+  <mc:AlternateContent xmlns:mc="http://schemas.openxmlformats.org/markup-compatibility/2006" xmlns:p14="http://schemas.microsoft.com/office/powerpoint/2010/main">
+    <mc:Choice Requires="p14">
+      <p:transition spd="med" p14:dur="700">
+        <p:fade/>
+      </p:transition>
+    </mc:Choice>
+    <mc:Fallback xmlns="">
+      <p:transition spd="med">
+        <p:fade/>
+      </p:transition>
+    </mc:Fallback>
+  </mc:AlternateContent>
 </p:sld>
 </file>
 
@@ -10951,6 +11575,225 @@
       </p:transition>
     </mc:Fallback>
   </mc:AlternateContent>
+</p:sld>
+</file>
+
+<file path=ppt/slides/slide20.xml><?xml version="1.0" encoding="utf-8"?>
+<p:sld xmlns:a="http://schemas.openxmlformats.org/drawingml/2006/main" xmlns:r="http://schemas.openxmlformats.org/officeDocument/2006/relationships" xmlns:p="http://schemas.openxmlformats.org/presentationml/2006/main" showMasterSp="0">
+  <p:cSld>
+    <p:spTree>
+      <p:nvGrpSpPr>
+        <p:cNvPr id="1" name="Shape 942"/>
+        <p:cNvGrpSpPr/>
+        <p:nvPr/>
+      </p:nvGrpSpPr>
+      <p:grpSpPr>
+        <a:xfrm>
+          <a:off x="0" y="0"/>
+          <a:ext cx="0" cy="0"/>
+          <a:chOff x="0" y="0"/>
+          <a:chExt cx="0" cy="0"/>
+        </a:xfrm>
+      </p:grpSpPr>
+      <p:sp>
+        <p:nvSpPr>
+          <p:cNvPr id="944" name="Google Shape;944;p61"/>
+          <p:cNvSpPr/>
+          <p:nvPr/>
+        </p:nvSpPr>
+        <p:spPr>
+          <a:xfrm>
+            <a:off x="0" y="0"/>
+            <a:ext cx="9143936" cy="5143499"/>
+          </a:xfrm>
+          <a:prstGeom prst="rect">
+            <a:avLst/>
+          </a:prstGeom>
+          <a:blipFill rotWithShape="1">
+            <a:blip r:embed="rId3">
+              <a:alphaModFix/>
+            </a:blip>
+            <a:stretch>
+              <a:fillRect/>
+            </a:stretch>
+          </a:blipFill>
+          <a:ln>
+            <a:noFill/>
+          </a:ln>
+        </p:spPr>
+        <p:txBody>
+          <a:bodyPr spcFirstLastPara="1" wrap="square" lIns="0" tIns="0" rIns="0" bIns="0" anchor="t" anchorCtr="0">
+            <a:noAutofit/>
+          </a:bodyPr>
+          <a:lstStyle/>
+          <a:p>
+            <a:pPr marL="0" marR="0" lvl="0" indent="0" algn="l" rtl="0">
+              <a:spcBef>
+                <a:spcPts val="0"/>
+              </a:spcBef>
+              <a:spcAft>
+                <a:spcPts val="0"/>
+              </a:spcAft>
+              <a:buNone/>
+            </a:pPr>
+            <a:endParaRPr sz="1800">
+              <a:solidFill>
+                <a:schemeClr val="dk1"/>
+              </a:solidFill>
+              <a:latin typeface="Calibri"/>
+              <a:ea typeface="Calibri"/>
+              <a:cs typeface="Calibri"/>
+              <a:sym typeface="Calibri"/>
+            </a:endParaRPr>
+          </a:p>
+        </p:txBody>
+      </p:sp>
+      <p:sp>
+        <p:nvSpPr>
+          <p:cNvPr id="946" name="Google Shape;946;p61"/>
+          <p:cNvSpPr txBox="1">
+            <a:spLocks noGrp="1"/>
+          </p:cNvSpPr>
+          <p:nvPr>
+            <p:ph type="title"/>
+          </p:nvPr>
+        </p:nvSpPr>
+        <p:spPr>
+          <a:xfrm>
+            <a:off x="565936" y="1851228"/>
+            <a:ext cx="3210967" cy="574040"/>
+          </a:xfrm>
+          <a:prstGeom prst="rect">
+            <a:avLst/>
+          </a:prstGeom>
+          <a:noFill/>
+          <a:ln>
+            <a:noFill/>
+          </a:ln>
+        </p:spPr>
+        <p:txBody>
+          <a:bodyPr spcFirstLastPara="1" wrap="square" lIns="0" tIns="12700" rIns="0" bIns="0" anchor="t" anchorCtr="0">
+            <a:spAutoFit/>
+          </a:bodyPr>
+          <a:lstStyle/>
+          <a:p>
+            <a:pPr marL="12700" lvl="0" indent="0" algn="l" rtl="0">
+              <a:lnSpc>
+                <a:spcPct val="100000"/>
+              </a:lnSpc>
+              <a:spcBef>
+                <a:spcPts val="0"/>
+              </a:spcBef>
+              <a:spcAft>
+                <a:spcPts val="0"/>
+              </a:spcAft>
+              <a:buNone/>
+            </a:pPr>
+            <a:r>
+              <a:rPr lang="en-US"/>
+              <a:t>THANK YOU</a:t>
+            </a:r>
+            <a:endParaRPr/>
+          </a:p>
+        </p:txBody>
+      </p:sp>
+      <p:sp>
+        <p:nvSpPr>
+          <p:cNvPr id="948" name="Google Shape;948;p61"/>
+          <p:cNvSpPr txBox="1">
+            <a:spLocks noGrp="1"/>
+          </p:cNvSpPr>
+          <p:nvPr>
+            <p:ph type="sldNum" idx="12"/>
+          </p:nvPr>
+        </p:nvSpPr>
+        <p:spPr>
+          <a:xfrm>
+            <a:off x="6583680" y="4783455"/>
+            <a:ext cx="2103120" cy="257175"/>
+          </a:xfrm>
+          <a:prstGeom prst="rect">
+            <a:avLst/>
+          </a:prstGeom>
+          <a:noFill/>
+          <a:ln>
+            <a:noFill/>
+          </a:ln>
+        </p:spPr>
+        <p:txBody>
+          <a:bodyPr spcFirstLastPara="1" wrap="square" lIns="0" tIns="0" rIns="0" bIns="0" anchor="t" anchorCtr="0">
+            <a:spAutoFit/>
+          </a:bodyPr>
+          <a:lstStyle/>
+          <a:p>
+            <a:pPr marL="0" lvl="0" indent="0" algn="r" rtl="0">
+              <a:spcBef>
+                <a:spcPts val="0"/>
+              </a:spcBef>
+              <a:spcAft>
+                <a:spcPts val="0"/>
+              </a:spcAft>
+              <a:buNone/>
+            </a:pPr>
+            <a:fld id="{00000000-1234-1234-1234-123412341234}" type="slidenum">
+              <a:rPr lang="en-US"/>
+              <a:t>20</a:t>
+            </a:fld>
+            <a:endParaRPr/>
+          </a:p>
+        </p:txBody>
+      </p:sp>
+      <p:sp>
+        <p:nvSpPr>
+          <p:cNvPr id="949" name="Google Shape;949;p61"/>
+          <p:cNvSpPr txBox="1">
+            <a:spLocks noGrp="1"/>
+          </p:cNvSpPr>
+          <p:nvPr>
+            <p:ph type="ftr" idx="11"/>
+          </p:nvPr>
+        </p:nvSpPr>
+        <p:spPr>
+          <a:xfrm>
+            <a:off x="1515960" y="4821918"/>
+            <a:ext cx="2926200" cy="277200"/>
+          </a:xfrm>
+          <a:prstGeom prst="rect">
+            <a:avLst/>
+          </a:prstGeom>
+          <a:noFill/>
+          <a:ln>
+            <a:noFill/>
+          </a:ln>
+        </p:spPr>
+        <p:txBody>
+          <a:bodyPr spcFirstLastPara="1" wrap="square" lIns="0" tIns="0" rIns="0" bIns="0" anchor="t" anchorCtr="0">
+            <a:spAutoFit/>
+          </a:bodyPr>
+          <a:lstStyle/>
+          <a:p>
+            <a:pPr marL="0" lvl="0" indent="0" algn="ctr" rtl="0">
+              <a:spcBef>
+                <a:spcPts val="0"/>
+              </a:spcBef>
+              <a:spcAft>
+                <a:spcPts val="0"/>
+              </a:spcAft>
+              <a:buNone/>
+            </a:pPr>
+            <a:r>
+              <a:rPr lang="en-US"/>
+              <a:t>Git Advanced</a:t>
+            </a:r>
+            <a:endParaRPr/>
+          </a:p>
+        </p:txBody>
+      </p:sp>
+    </p:spTree>
+  </p:cSld>
+  <p:clrMapOvr>
+    <a:masterClrMapping/>
+  </p:clrMapOvr>
 </p:sld>
 </file>
 
@@ -12213,7 +13056,7 @@
         <p:spPr>
           <a:xfrm>
             <a:off x="114400" y="213486"/>
-            <a:ext cx="6243473" cy="320601"/>
+            <a:ext cx="6243473" cy="382156"/>
           </a:xfrm>
           <a:prstGeom prst="rect">
             <a:avLst/>
@@ -12229,14 +13072,16 @@
           </a:bodyPr>
           <a:lstStyle/>
           <a:p>
-            <a:pPr marL="12700" lvl="0"/>
-            <a:r>
-              <a:rPr lang="en-US" sz="2000" dirty="0">
+            <a:pPr algn="l"/>
+            <a:r>
+              <a:rPr lang="en-IN" sz="2400" b="1" i="0" dirty="0">
                 <a:solidFill>
                   <a:schemeClr val="bg1"/>
                 </a:solidFill>
+                <a:effectLst/>
+                <a:latin typeface="-apple-system"/>
               </a:rPr>
-              <a:t>Git Branching</a:t>
+              <a:t>Git fetch and git pull difference</a:t>
             </a:r>
           </a:p>
         </p:txBody>
@@ -12249,8 +13094,8 @@
         </p:nvSpPr>
         <p:spPr>
           <a:xfrm>
-            <a:off x="277968" y="807920"/>
-            <a:ext cx="7822540" cy="2228815"/>
+            <a:off x="307704" y="659237"/>
+            <a:ext cx="8122618" cy="3706143"/>
           </a:xfrm>
           <a:prstGeom prst="rect">
             <a:avLst/>
@@ -12266,79 +13111,294 @@
           </a:bodyPr>
           <a:lstStyle/>
           <a:p>
-            <a:pPr marL="12700" lvl="0"/>
-            <a:r>
-              <a:rPr lang="en-US" sz="1600" b="1" dirty="0">
+            <a:pPr marL="12700" marR="5080">
+              <a:lnSpc>
+                <a:spcPct val="150100"/>
+              </a:lnSpc>
+              <a:buClr>
+                <a:srgbClr val="56555A"/>
+              </a:buClr>
+              <a:buSzPts val="1600"/>
+            </a:pPr>
+            <a:r>
+              <a:rPr lang="en-US" sz="1000" b="1" dirty="0">
                 <a:solidFill>
                   <a:schemeClr val="tx1"/>
                 </a:solidFill>
               </a:rPr>
-              <a:t>Creating a Branch</a:t>
-            </a:r>
-          </a:p>
-          <a:p>
-            <a:pPr marL="298450" lvl="0" indent="-285750">
-              <a:buFont typeface="Wingdings" panose="05000000000000000000" pitchFamily="2" charset="2"/>
-              <a:buChar char="q"/>
+              <a:t>1. Git Fetch:</a:t>
+            </a:r>
+          </a:p>
+          <a:p>
+            <a:pPr marL="12700" marR="5080">
+              <a:lnSpc>
+                <a:spcPct val="150100"/>
+              </a:lnSpc>
+              <a:buClr>
+                <a:srgbClr val="56555A"/>
+              </a:buClr>
+              <a:buSzPts val="1600"/>
             </a:pPr>
             <a:r>
-              <a:rPr lang="en-US" sz="1600" dirty="0">
+              <a:rPr lang="en-US" sz="1000" dirty="0">
                 <a:solidFill>
                   <a:schemeClr val="tx1"/>
                 </a:solidFill>
               </a:rPr>
-              <a:t>git branch &lt;branch-name&gt;: Creates a new branch with the specified name, allowing developers to work on separate features or fixes.</a:t>
-            </a:r>
-          </a:p>
-          <a:p>
-            <a:pPr marL="298450" lvl="0" indent="-285750">
-              <a:buFont typeface="Wingdings" panose="05000000000000000000" pitchFamily="2" charset="2"/>
-              <a:buChar char="q"/>
+              <a:t>Purpose: Fetching is used to retrieve changes from a remote repository without automatically merging them into your local branch.</a:t>
+            </a:r>
+          </a:p>
+          <a:p>
+            <a:pPr marL="12700" marR="5080">
+              <a:lnSpc>
+                <a:spcPct val="150100"/>
+              </a:lnSpc>
+              <a:buClr>
+                <a:srgbClr val="56555A"/>
+              </a:buClr>
+              <a:buSzPts val="1600"/>
             </a:pPr>
             <a:r>
-              <a:rPr lang="en-US" sz="1600" dirty="0">
+              <a:rPr lang="en-US" sz="1000" dirty="0">
                 <a:solidFill>
                   <a:schemeClr val="tx1"/>
                 </a:solidFill>
               </a:rPr>
-              <a:t>git checkout &lt;branch-name&gt;: Switches to the newly created branch for further development.</a:t>
-            </a:r>
-          </a:p>
-          <a:p>
-            <a:pPr marL="12700" lvl="0"/>
-            <a:r>
-              <a:rPr lang="en-US" sz="1600" b="1" dirty="0">
+              <a:t>Workflow: When you run git fetch, Git contacts the remote repository and fetches any new changes, including branches and tags.</a:t>
+            </a:r>
+          </a:p>
+          <a:p>
+            <a:pPr marL="12700" marR="5080">
+              <a:lnSpc>
+                <a:spcPct val="150100"/>
+              </a:lnSpc>
+              <a:buClr>
+                <a:srgbClr val="56555A"/>
+              </a:buClr>
+              <a:buSzPts val="1600"/>
+            </a:pPr>
+            <a:r>
+              <a:rPr lang="en-US" sz="1000" dirty="0">
                 <a:solidFill>
                   <a:schemeClr val="tx1"/>
                 </a:solidFill>
               </a:rPr>
-              <a:t>Merging</a:t>
-            </a:r>
-          </a:p>
-          <a:p>
-            <a:pPr marL="298450" lvl="0" indent="-285750">
-              <a:buFont typeface="Wingdings" panose="05000000000000000000" pitchFamily="2" charset="2"/>
-              <a:buChar char="q"/>
+              <a:t>It updates the remote-tracking branches in your local repository to reflect the changes in the remote repository.</a:t>
+            </a:r>
+          </a:p>
+          <a:p>
+            <a:pPr marL="12700" marR="5080">
+              <a:lnSpc>
+                <a:spcPct val="150100"/>
+              </a:lnSpc>
+              <a:buClr>
+                <a:srgbClr val="56555A"/>
+              </a:buClr>
+              <a:buSzPts val="1600"/>
             </a:pPr>
             <a:r>
-              <a:rPr lang="en-US" sz="1600" dirty="0">
+              <a:rPr lang="en-US" sz="1000" dirty="0">
                 <a:solidFill>
                   <a:schemeClr val="tx1"/>
                 </a:solidFill>
               </a:rPr>
-              <a:t>git merge &lt;branch&gt;: Integrates changes from one branch into another. It combines the changes made in the specified branch into the current working branch.</a:t>
-            </a:r>
-          </a:p>
-          <a:p>
-            <a:pPr marL="298450" lvl="0" indent="-285750">
-              <a:buFont typeface="Wingdings" panose="05000000000000000000" pitchFamily="2" charset="2"/>
-              <a:buChar char="q"/>
+              <a:t>Example: # Fetch changes from the remote repository (origin)</a:t>
+            </a:r>
+          </a:p>
+          <a:p>
+            <a:pPr marL="12700" marR="5080">
+              <a:lnSpc>
+                <a:spcPct val="150100"/>
+              </a:lnSpc>
+              <a:buClr>
+                <a:srgbClr val="56555A"/>
+              </a:buClr>
+              <a:buSzPts val="1600"/>
             </a:pPr>
-            <a:endParaRPr lang="en-US" sz="1600" dirty="0">
+            <a:r>
+              <a:rPr lang="en-US" sz="1000" i="1" dirty="0">
+                <a:solidFill>
+                  <a:schemeClr val="tx1"/>
+                </a:solidFill>
+              </a:rPr>
+              <a:t>git fetch origin</a:t>
+            </a:r>
+          </a:p>
+          <a:p>
+            <a:pPr marL="12700" marR="5080">
+              <a:lnSpc>
+                <a:spcPct val="150100"/>
+              </a:lnSpc>
+              <a:buClr>
+                <a:srgbClr val="56555A"/>
+              </a:buClr>
+              <a:buSzPts val="1600"/>
+            </a:pPr>
+            <a:r>
+              <a:rPr lang="en-US" sz="1000" dirty="0">
+                <a:solidFill>
+                  <a:schemeClr val="tx1"/>
+                </a:solidFill>
+              </a:rPr>
+              <a:t>Use Case: Useful when you want to see what changes exist in the remote repository before deciding to merge them into your local branch. Allows you to review changes and decide when and how to integrate them.</a:t>
+            </a:r>
+            <a:endParaRPr lang="en-US" sz="1000" b="1" dirty="0">
               <a:solidFill>
                 <a:schemeClr val="tx1"/>
               </a:solidFill>
             </a:endParaRPr>
+          </a:p>
+          <a:p>
+            <a:pPr marL="12700" marR="5080">
+              <a:lnSpc>
+                <a:spcPct val="150100"/>
+              </a:lnSpc>
+              <a:buClr>
+                <a:srgbClr val="56555A"/>
+              </a:buClr>
+              <a:buSzPts val="1600"/>
+            </a:pPr>
+            <a:r>
+              <a:rPr lang="en-US" sz="1000" b="1" dirty="0">
+                <a:solidFill>
+                  <a:schemeClr val="tx1"/>
+                </a:solidFill>
+              </a:rPr>
+              <a:t>2. Git Pull:</a:t>
+            </a:r>
+          </a:p>
+          <a:p>
+            <a:pPr marL="12700" marR="5080">
+              <a:lnSpc>
+                <a:spcPct val="150100"/>
+              </a:lnSpc>
+              <a:buClr>
+                <a:srgbClr val="56555A"/>
+              </a:buClr>
+              <a:buSzPts val="1600"/>
+            </a:pPr>
+            <a:r>
+              <a:rPr lang="en-US" sz="1000" dirty="0">
+                <a:solidFill>
+                  <a:schemeClr val="tx1"/>
+                </a:solidFill>
+              </a:rPr>
+              <a:t>Purpose: Pulling is a combination of fetching changes and automatically merging them into your current branch.</a:t>
+            </a:r>
+          </a:p>
+          <a:p>
+            <a:pPr marL="12700" marR="5080">
+              <a:lnSpc>
+                <a:spcPct val="150100"/>
+              </a:lnSpc>
+              <a:buClr>
+                <a:srgbClr val="56555A"/>
+              </a:buClr>
+              <a:buSzPts val="1600"/>
+            </a:pPr>
+            <a:r>
+              <a:rPr lang="en-US" sz="1000" dirty="0">
+                <a:solidFill>
+                  <a:schemeClr val="tx1"/>
+                </a:solidFill>
+              </a:rPr>
+              <a:t>Workflow: When you run git pull, it performs a git fetch first to retrieve the changes from the remote repository.</a:t>
+            </a:r>
+          </a:p>
+          <a:p>
+            <a:pPr marL="12700" marR="5080">
+              <a:lnSpc>
+                <a:spcPct val="150100"/>
+              </a:lnSpc>
+              <a:buClr>
+                <a:srgbClr val="56555A"/>
+              </a:buClr>
+              <a:buSzPts val="1600"/>
+            </a:pPr>
+            <a:r>
+              <a:rPr lang="en-US" sz="1000" dirty="0">
+                <a:solidFill>
+                  <a:schemeClr val="tx1"/>
+                </a:solidFill>
+              </a:rPr>
+              <a:t>Then, it automatically merges the changes into your local branch.</a:t>
+            </a:r>
+          </a:p>
+          <a:p>
+            <a:pPr marL="12700" marR="5080">
+              <a:lnSpc>
+                <a:spcPct val="150100"/>
+              </a:lnSpc>
+              <a:buClr>
+                <a:srgbClr val="56555A"/>
+              </a:buClr>
+              <a:buSzPts val="1600"/>
+            </a:pPr>
+            <a:r>
+              <a:rPr lang="en-US" sz="1000" dirty="0">
+                <a:solidFill>
+                  <a:schemeClr val="tx1"/>
+                </a:solidFill>
+              </a:rPr>
+              <a:t>Example: # Pull changes from the remote repository (origin) into the current branch</a:t>
+            </a:r>
+          </a:p>
+          <a:p>
+            <a:pPr marL="12700" marR="5080">
+              <a:lnSpc>
+                <a:spcPct val="150100"/>
+              </a:lnSpc>
+              <a:buClr>
+                <a:srgbClr val="56555A"/>
+              </a:buClr>
+              <a:buSzPts val="1600"/>
+            </a:pPr>
+            <a:r>
+              <a:rPr lang="en-US" sz="1000" dirty="0">
+                <a:solidFill>
+                  <a:schemeClr val="tx1"/>
+                </a:solidFill>
+              </a:rPr>
+              <a:t>git pull origin master</a:t>
+            </a:r>
+          </a:p>
+          <a:p>
+            <a:pPr marL="12700" marR="5080">
+              <a:lnSpc>
+                <a:spcPct val="150100"/>
+              </a:lnSpc>
+              <a:buClr>
+                <a:srgbClr val="56555A"/>
+              </a:buClr>
+              <a:buSzPts val="1600"/>
+            </a:pPr>
+            <a:r>
+              <a:rPr lang="en-US" sz="1000" dirty="0">
+                <a:solidFill>
+                  <a:schemeClr val="tx1"/>
+                </a:solidFill>
+              </a:rPr>
+              <a:t>Use Case: Convenient when you want to quickly update your local branch with the latest changes from the remote repository.</a:t>
+            </a:r>
+          </a:p>
+          <a:p>
+            <a:pPr marL="12700" marR="5080">
+              <a:lnSpc>
+                <a:spcPct val="150100"/>
+              </a:lnSpc>
+              <a:buClr>
+                <a:srgbClr val="56555A"/>
+              </a:buClr>
+              <a:buSzPts val="1600"/>
+            </a:pPr>
+            <a:r>
+              <a:rPr lang="en-US" sz="1000" dirty="0">
+                <a:solidFill>
+                  <a:schemeClr val="tx1"/>
+                </a:solidFill>
+              </a:rPr>
+              <a:t>Automatically merges changes, saving you an additional step compared to git fetch.</a:t>
+            </a:r>
           </a:p>
         </p:txBody>
       </p:sp>
@@ -12437,7 +13497,7 @@
     </p:spTree>
     <p:extLst>
       <p:ext uri="{BB962C8B-B14F-4D97-AF65-F5344CB8AC3E}">
-        <p14:creationId xmlns:p14="http://schemas.microsoft.com/office/powerpoint/2010/main" val="2565445608"/>
+        <p14:creationId xmlns:p14="http://schemas.microsoft.com/office/powerpoint/2010/main" val="2308154268"/>
       </p:ext>
     </p:extLst>
   </p:cSld>
@@ -12489,13 +13549,14 @@
           </a:bodyPr>
           <a:lstStyle/>
           <a:p>
+            <a:pPr marL="12700" lvl="0"/>
             <a:r>
               <a:rPr lang="en-US" sz="2000" dirty="0">
                 <a:solidFill>
                   <a:schemeClr val="bg1"/>
                 </a:solidFill>
               </a:rPr>
-              <a:t>Git Add</a:t>
+              <a:t>Git Branching</a:t>
             </a:r>
           </a:p>
         </p:txBody>
@@ -12509,7 +13570,7 @@
         <p:spPr>
           <a:xfrm>
             <a:off x="277968" y="807920"/>
-            <a:ext cx="7822540" cy="751488"/>
+            <a:ext cx="7822540" cy="2228815"/>
           </a:xfrm>
           <a:prstGeom prst="rect">
             <a:avLst/>
@@ -12532,7 +13593,7 @@
                   <a:schemeClr val="tx1"/>
                 </a:solidFill>
               </a:rPr>
-              <a:t>Git Add Interactive</a:t>
+              <a:t>Creating a Branch</a:t>
             </a:r>
           </a:p>
           <a:p>
@@ -12546,24 +13607,58 @@
                   <a:schemeClr val="tx1"/>
                 </a:solidFill>
               </a:rPr>
-              <a:t>git add -</a:t>
-            </a:r>
-            <a:r>
-              <a:rPr lang="en-US" sz="1600" dirty="0" err="1">
+              <a:t>git branch &lt;branch-name&gt;: Creates a new branch with the specified name, allowing developers to work on separate features or fixes.</a:t>
+            </a:r>
+          </a:p>
+          <a:p>
+            <a:pPr marL="298450" lvl="0" indent="-285750">
+              <a:buFont typeface="Wingdings" panose="05000000000000000000" pitchFamily="2" charset="2"/>
+              <a:buChar char="q"/>
+            </a:pPr>
+            <a:r>
+              <a:rPr lang="en-US" sz="1600" dirty="0">
                 <a:solidFill>
                   <a:schemeClr val="tx1"/>
                 </a:solidFill>
               </a:rPr>
-              <a:t>i</a:t>
-            </a:r>
+              <a:t>git checkout &lt;branch-name&gt;: Switches to the newly created branch for further development.</a:t>
+            </a:r>
+          </a:p>
+          <a:p>
+            <a:pPr marL="12700" lvl="0"/>
+            <a:r>
+              <a:rPr lang="en-US" sz="1600" b="1" dirty="0">
+                <a:solidFill>
+                  <a:schemeClr val="tx1"/>
+                </a:solidFill>
+              </a:rPr>
+              <a:t>Merging</a:t>
+            </a:r>
+          </a:p>
+          <a:p>
+            <a:pPr marL="298450" lvl="0" indent="-285750">
+              <a:buFont typeface="Wingdings" panose="05000000000000000000" pitchFamily="2" charset="2"/>
+              <a:buChar char="q"/>
+            </a:pPr>
             <a:r>
               <a:rPr lang="en-US" sz="1600" dirty="0">
                 <a:solidFill>
                   <a:schemeClr val="tx1"/>
                 </a:solidFill>
               </a:rPr>
-              <a:t>: Interactively stages changes, providing a user interface to choose which changes to include in the next commit.</a:t>
-            </a:r>
+              <a:t>git merge &lt;branch&gt;: Integrates changes from one branch into another. It combines the changes made in the specified branch into the current working branch.</a:t>
+            </a:r>
+          </a:p>
+          <a:p>
+            <a:pPr marL="298450" lvl="0" indent="-285750">
+              <a:buFont typeface="Wingdings" panose="05000000000000000000" pitchFamily="2" charset="2"/>
+              <a:buChar char="q"/>
+            </a:pPr>
+            <a:endParaRPr lang="en-US" sz="1600" dirty="0">
+              <a:solidFill>
+                <a:schemeClr val="tx1"/>
+              </a:solidFill>
+            </a:endParaRPr>
           </a:p>
         </p:txBody>
       </p:sp>
@@ -12662,7 +13757,7 @@
     </p:spTree>
     <p:extLst>
       <p:ext uri="{BB962C8B-B14F-4D97-AF65-F5344CB8AC3E}">
-        <p14:creationId xmlns:p14="http://schemas.microsoft.com/office/powerpoint/2010/main" val="1500139154"/>
+        <p14:creationId xmlns:p14="http://schemas.microsoft.com/office/powerpoint/2010/main" val="2565445608"/>
       </p:ext>
     </p:extLst>
   </p:cSld>
@@ -12720,7 +13815,7 @@
                   <a:schemeClr val="bg1"/>
                 </a:solidFill>
               </a:rPr>
-              <a:t>Git Stash</a:t>
+              <a:t>Git Add</a:t>
             </a:r>
           </a:p>
         </p:txBody>
@@ -12757,7 +13852,7 @@
                   <a:schemeClr val="tx1"/>
                 </a:solidFill>
               </a:rPr>
-              <a:t>Git Stash</a:t>
+              <a:t>Git Add Interactive</a:t>
             </a:r>
           </a:p>
           <a:p>
@@ -12771,7 +13866,23 @@
                   <a:schemeClr val="tx1"/>
                 </a:solidFill>
               </a:rPr>
-              <a:t>git stash: Temporarily saves changes that are not ready for commit. It allows developers to switch branches without committing incomplete work.</a:t>
+              <a:t>git add -</a:t>
+            </a:r>
+            <a:r>
+              <a:rPr lang="en-US" sz="1600" dirty="0" err="1">
+                <a:solidFill>
+                  <a:schemeClr val="tx1"/>
+                </a:solidFill>
+              </a:rPr>
+              <a:t>i</a:t>
+            </a:r>
+            <a:r>
+              <a:rPr lang="en-US" sz="1600" dirty="0">
+                <a:solidFill>
+                  <a:schemeClr val="tx1"/>
+                </a:solidFill>
+              </a:rPr>
+              <a:t>: Interactively stages changes, providing a user interface to choose which changes to include in the next commit.</a:t>
             </a:r>
           </a:p>
         </p:txBody>
@@ -12871,7 +13982,7 @@
     </p:spTree>
     <p:extLst>
       <p:ext uri="{BB962C8B-B14F-4D97-AF65-F5344CB8AC3E}">
-        <p14:creationId xmlns:p14="http://schemas.microsoft.com/office/powerpoint/2010/main" val="2227347594"/>
+        <p14:creationId xmlns:p14="http://schemas.microsoft.com/office/powerpoint/2010/main" val="1500139154"/>
       </p:ext>
     </p:extLst>
   </p:cSld>

--- a/git/sessions/Day3-Session1-gitBasicToAdvanced.pptx
+++ b/git/sessions/Day3-Session1-gitBasicToAdvanced.pptx
@@ -276,7 +276,7 @@
       </p15:sldGuideLst>
     </p:ext>
     <p:ext uri="http://customooxmlschemas.google.com/">
-      <go:slidesCustomData xmlns="" xmlns:mc="http://schemas.openxmlformats.org/markup-compatibility/2006" xmlns:mv="urn:schemas-microsoft-com:mac:vml" xmlns:c="http://schemas.openxmlformats.org/drawingml/2006/chart" xmlns:dgm="http://schemas.openxmlformats.org/drawingml/2006/diagram" xmlns:o="urn:schemas-microsoft-com:office:office" xmlns:v="urn:schemas-microsoft-com:vml" xmlns:pvml="urn:schemas-microsoft-com:office:powerpoint" xmlns:com="http://schemas.openxmlformats.org/drawingml/2006/compatibility" xmlns:p14="http://schemas.microsoft.com/office/powerpoint/2010/main" xmlns:p15="http://schemas.microsoft.com/office/powerpoint/2012/main" xmlns:ahyp="http://schemas.microsoft.com/office/drawing/2018/hyperlinkcolor" xmlns:go="http://customooxmlschemas.google.com/" r:id="rId67" roundtripDataSignature="AMtx7mhCtl9RT7ElHIrpvekstcX1dLwgWg=="/>
+      <go:slidesCustomData xmlns:go="http://customooxmlschemas.google.com/" xmlns:ahyp="http://schemas.microsoft.com/office/drawing/2018/hyperlinkcolor" xmlns:p15="http://schemas.microsoft.com/office/powerpoint/2012/main" xmlns:p14="http://schemas.microsoft.com/office/powerpoint/2010/main" xmlns:com="http://schemas.openxmlformats.org/drawingml/2006/compatibility" xmlns:pvml="urn:schemas-microsoft-com:office:powerpoint" xmlns:v="urn:schemas-microsoft-com:vml" xmlns:o="urn:schemas-microsoft-com:office:office" xmlns:dgm="http://schemas.openxmlformats.org/drawingml/2006/diagram" xmlns:c="http://schemas.openxmlformats.org/drawingml/2006/chart" xmlns:mv="urn:schemas-microsoft-com:mac:vml" xmlns:mc="http://schemas.openxmlformats.org/markup-compatibility/2006" xmlns="" r:id="rId67" roundtripDataSignature="AMtx7mhCtl9RT7ElHIrpvekstcX1dLwgWg=="/>
     </p:ext>
   </p:extLst>
 </p:presentation>
@@ -9292,6 +9292,30 @@
           </a:p>
         </p:txBody>
       </p:sp>
+      <p:pic>
+        <p:nvPicPr>
+          <p:cNvPr id="2" name="Picture 1"/>
+          <p:cNvPicPr>
+            <a:picLocks noChangeAspect="1"/>
+          </p:cNvPicPr>
+          <p:nvPr/>
+        </p:nvPicPr>
+        <p:blipFill>
+          <a:blip r:embed="rId3"/>
+          <a:stretch>
+            <a:fillRect/>
+          </a:stretch>
+        </p:blipFill>
+        <p:spPr>
+          <a:xfrm>
+            <a:off x="580913" y="1645921"/>
+            <a:ext cx="7680959" cy="3044414"/>
+          </a:xfrm>
+          <a:prstGeom prst="rect">
+            <a:avLst/>
+          </a:prstGeom>
+        </p:spPr>
+      </p:pic>
     </p:spTree>
     <p:extLst>
       <p:ext uri="{BB962C8B-B14F-4D97-AF65-F5344CB8AC3E}">
@@ -13979,6 +14003,30 @@
           </a:p>
         </p:txBody>
       </p:sp>
+      <p:pic>
+        <p:nvPicPr>
+          <p:cNvPr id="2" name="Picture 1"/>
+          <p:cNvPicPr>
+            <a:picLocks noChangeAspect="1"/>
+          </p:cNvPicPr>
+          <p:nvPr/>
+        </p:nvPicPr>
+        <p:blipFill>
+          <a:blip r:embed="rId3"/>
+          <a:stretch>
+            <a:fillRect/>
+          </a:stretch>
+        </p:blipFill>
+        <p:spPr>
+          <a:xfrm>
+            <a:off x="1199309" y="1811275"/>
+            <a:ext cx="6315075" cy="2543175"/>
+          </a:xfrm>
+          <a:prstGeom prst="rect">
+            <a:avLst/>
+          </a:prstGeom>
+        </p:spPr>
+      </p:pic>
     </p:spTree>
     <p:extLst>
       <p:ext uri="{BB962C8B-B14F-4D97-AF65-F5344CB8AC3E}">
